--- a/mylearnings/mylecturenotes/ML4AM_Ch6_FeatureImportance.pptx
+++ b/mylearnings/mylecturenotes/ML4AM_Ch6_FeatureImportance.pptx
@@ -5,7 +5,7 @@
     <p:sldMasterId id="2147483648" r:id="rId1"/>
   </p:sldMasterIdLst>
   <p:notesMasterIdLst>
-    <p:notesMasterId r:id="rId24"/>
+    <p:notesMasterId r:id="rId26"/>
   </p:notesMasterIdLst>
   <p:sldIdLst>
     <p:sldId id="256" r:id="rId2"/>
@@ -18,18 +18,20 @@
     <p:sldId id="261" r:id="rId9"/>
     <p:sldId id="278" r:id="rId10"/>
     <p:sldId id="259" r:id="rId11"/>
-    <p:sldId id="258" r:id="rId12"/>
-    <p:sldId id="265" r:id="rId13"/>
-    <p:sldId id="260" r:id="rId14"/>
-    <p:sldId id="262" r:id="rId15"/>
-    <p:sldId id="263" r:id="rId16"/>
-    <p:sldId id="269" r:id="rId17"/>
-    <p:sldId id="267" r:id="rId18"/>
-    <p:sldId id="272" r:id="rId19"/>
-    <p:sldId id="268" r:id="rId20"/>
-    <p:sldId id="271" r:id="rId21"/>
-    <p:sldId id="270" r:id="rId22"/>
-    <p:sldId id="273" r:id="rId23"/>
+    <p:sldId id="280" r:id="rId12"/>
+    <p:sldId id="258" r:id="rId13"/>
+    <p:sldId id="265" r:id="rId14"/>
+    <p:sldId id="260" r:id="rId15"/>
+    <p:sldId id="279" r:id="rId16"/>
+    <p:sldId id="262" r:id="rId17"/>
+    <p:sldId id="263" r:id="rId18"/>
+    <p:sldId id="269" r:id="rId19"/>
+    <p:sldId id="267" r:id="rId20"/>
+    <p:sldId id="272" r:id="rId21"/>
+    <p:sldId id="268" r:id="rId22"/>
+    <p:sldId id="271" r:id="rId23"/>
+    <p:sldId id="270" r:id="rId24"/>
+    <p:sldId id="273" r:id="rId25"/>
   </p:sldIdLst>
   <p:sldSz cx="12192000" cy="6858000"/>
   <p:notesSz cx="6858000" cy="9144000"/>
@@ -564,6 +566,259 @@
 </p:notes>
 </file>
 
+<file path=ppt/notesSlides/notesSlide10.xml><?xml version="1.0" encoding="utf-8"?>
+<p:notes xmlns:a="http://schemas.openxmlformats.org/drawingml/2006/main" xmlns:r="http://schemas.openxmlformats.org/officeDocument/2006/relationships" xmlns:p="http://schemas.openxmlformats.org/presentationml/2006/main">
+  <p:cSld>
+    <p:spTree>
+      <p:nvGrpSpPr>
+        <p:cNvPr id="1" name=""/>
+        <p:cNvGrpSpPr/>
+        <p:nvPr/>
+      </p:nvGrpSpPr>
+      <p:grpSpPr>
+        <a:xfrm>
+          <a:off x="0" y="0"/>
+          <a:ext cx="0" cy="0"/>
+          <a:chOff x="0" y="0"/>
+          <a:chExt cx="0" cy="0"/>
+        </a:xfrm>
+      </p:grpSpPr>
+      <p:sp>
+        <p:nvSpPr>
+          <p:cNvPr id="2" name="Slide Image Placeholder 1"/>
+          <p:cNvSpPr>
+            <a:spLocks noGrp="1" noRot="1" noChangeAspect="1"/>
+          </p:cNvSpPr>
+          <p:nvPr>
+            <p:ph type="sldImg"/>
+          </p:nvPr>
+        </p:nvSpPr>
+        <p:spPr/>
+      </p:sp>
+      <p:sp>
+        <p:nvSpPr>
+          <p:cNvPr id="3" name="Notes Placeholder 2"/>
+          <p:cNvSpPr>
+            <a:spLocks noGrp="1"/>
+          </p:cNvSpPr>
+          <p:nvPr>
+            <p:ph type="body" idx="1"/>
+          </p:nvPr>
+        </p:nvSpPr>
+        <p:spPr/>
+        <p:txBody>
+          <a:bodyPr/>
+          <a:lstStyle/>
+          <a:p>
+            <a:endParaRPr lang="en-US" dirty="0"/>
+          </a:p>
+        </p:txBody>
+      </p:sp>
+      <p:sp>
+        <p:nvSpPr>
+          <p:cNvPr id="4" name="Slide Number Placeholder 3"/>
+          <p:cNvSpPr>
+            <a:spLocks noGrp="1"/>
+          </p:cNvSpPr>
+          <p:nvPr>
+            <p:ph type="sldNum" sz="quarter" idx="5"/>
+          </p:nvPr>
+        </p:nvSpPr>
+        <p:spPr/>
+        <p:txBody>
+          <a:bodyPr/>
+          <a:lstStyle/>
+          <a:p>
+            <a:fld id="{25B657F1-574C-FB42-81B2-F5844F54FA35}" type="slidenum">
+              <a:rPr lang="en-US" smtClean="0"/>
+              <a:t>18</a:t>
+            </a:fld>
+            <a:endParaRPr lang="en-US"/>
+          </a:p>
+        </p:txBody>
+      </p:sp>
+    </p:spTree>
+    <p:extLst>
+      <p:ext uri="{BB962C8B-B14F-4D97-AF65-F5344CB8AC3E}">
+        <p14:creationId xmlns:p14="http://schemas.microsoft.com/office/powerpoint/2010/main" val="3316857870"/>
+      </p:ext>
+    </p:extLst>
+  </p:cSld>
+  <p:clrMapOvr>
+    <a:masterClrMapping/>
+  </p:clrMapOvr>
+</p:notes>
+</file>
+
+<file path=ppt/notesSlides/notesSlide11.xml><?xml version="1.0" encoding="utf-8"?>
+<p:notes xmlns:a="http://schemas.openxmlformats.org/drawingml/2006/main" xmlns:r="http://schemas.openxmlformats.org/officeDocument/2006/relationships" xmlns:p="http://schemas.openxmlformats.org/presentationml/2006/main">
+  <p:cSld>
+    <p:spTree>
+      <p:nvGrpSpPr>
+        <p:cNvPr id="1" name=""/>
+        <p:cNvGrpSpPr/>
+        <p:nvPr/>
+      </p:nvGrpSpPr>
+      <p:grpSpPr>
+        <a:xfrm>
+          <a:off x="0" y="0"/>
+          <a:ext cx="0" cy="0"/>
+          <a:chOff x="0" y="0"/>
+          <a:chExt cx="0" cy="0"/>
+        </a:xfrm>
+      </p:grpSpPr>
+      <p:sp>
+        <p:nvSpPr>
+          <p:cNvPr id="2" name="Slide Image Placeholder 1"/>
+          <p:cNvSpPr>
+            <a:spLocks noGrp="1" noRot="1" noChangeAspect="1"/>
+          </p:cNvSpPr>
+          <p:nvPr>
+            <p:ph type="sldImg"/>
+          </p:nvPr>
+        </p:nvSpPr>
+        <p:spPr/>
+      </p:sp>
+      <p:sp>
+        <p:nvSpPr>
+          <p:cNvPr id="3" name="Notes Placeholder 2"/>
+          <p:cNvSpPr>
+            <a:spLocks noGrp="1"/>
+          </p:cNvSpPr>
+          <p:nvPr>
+            <p:ph type="body" idx="1"/>
+          </p:nvPr>
+        </p:nvSpPr>
+        <p:spPr/>
+        <p:txBody>
+          <a:bodyPr/>
+          <a:lstStyle/>
+          <a:p>
+            <a:pPr marL="0" algn="l" defTabSz="914400" rtl="0" eaLnBrk="1" latinLnBrk="0" hangingPunct="1"/>
+            <a:endParaRPr lang="en-US" dirty="0"/>
+          </a:p>
+        </p:txBody>
+      </p:sp>
+      <p:sp>
+        <p:nvSpPr>
+          <p:cNvPr id="4" name="Slide Number Placeholder 3"/>
+          <p:cNvSpPr>
+            <a:spLocks noGrp="1"/>
+          </p:cNvSpPr>
+          <p:nvPr>
+            <p:ph type="sldNum" sz="quarter" idx="5"/>
+          </p:nvPr>
+        </p:nvSpPr>
+        <p:spPr/>
+        <p:txBody>
+          <a:bodyPr/>
+          <a:lstStyle/>
+          <a:p>
+            <a:fld id="{25B657F1-574C-FB42-81B2-F5844F54FA35}" type="slidenum">
+              <a:rPr lang="en-US" smtClean="0"/>
+              <a:t>19</a:t>
+            </a:fld>
+            <a:endParaRPr lang="en-US"/>
+          </a:p>
+        </p:txBody>
+      </p:sp>
+    </p:spTree>
+    <p:extLst>
+      <p:ext uri="{BB962C8B-B14F-4D97-AF65-F5344CB8AC3E}">
+        <p14:creationId xmlns:p14="http://schemas.microsoft.com/office/powerpoint/2010/main" val="3604393179"/>
+      </p:ext>
+    </p:extLst>
+  </p:cSld>
+  <p:clrMapOvr>
+    <a:masterClrMapping/>
+  </p:clrMapOvr>
+</p:notes>
+</file>
+
+<file path=ppt/notesSlides/notesSlide12.xml><?xml version="1.0" encoding="utf-8"?>
+<p:notes xmlns:a="http://schemas.openxmlformats.org/drawingml/2006/main" xmlns:r="http://schemas.openxmlformats.org/officeDocument/2006/relationships" xmlns:p="http://schemas.openxmlformats.org/presentationml/2006/main">
+  <p:cSld>
+    <p:spTree>
+      <p:nvGrpSpPr>
+        <p:cNvPr id="1" name=""/>
+        <p:cNvGrpSpPr/>
+        <p:nvPr/>
+      </p:nvGrpSpPr>
+      <p:grpSpPr>
+        <a:xfrm>
+          <a:off x="0" y="0"/>
+          <a:ext cx="0" cy="0"/>
+          <a:chOff x="0" y="0"/>
+          <a:chExt cx="0" cy="0"/>
+        </a:xfrm>
+      </p:grpSpPr>
+      <p:sp>
+        <p:nvSpPr>
+          <p:cNvPr id="2" name="Slide Image Placeholder 1"/>
+          <p:cNvSpPr>
+            <a:spLocks noGrp="1" noRot="1" noChangeAspect="1"/>
+          </p:cNvSpPr>
+          <p:nvPr>
+            <p:ph type="sldImg"/>
+          </p:nvPr>
+        </p:nvSpPr>
+        <p:spPr/>
+      </p:sp>
+      <p:sp>
+        <p:nvSpPr>
+          <p:cNvPr id="3" name="Notes Placeholder 2"/>
+          <p:cNvSpPr>
+            <a:spLocks noGrp="1"/>
+          </p:cNvSpPr>
+          <p:nvPr>
+            <p:ph type="body" idx="1"/>
+          </p:nvPr>
+        </p:nvSpPr>
+        <p:spPr/>
+        <p:txBody>
+          <a:bodyPr/>
+          <a:lstStyle/>
+          <a:p>
+            <a:endParaRPr lang="en-US" dirty="0"/>
+          </a:p>
+        </p:txBody>
+      </p:sp>
+      <p:sp>
+        <p:nvSpPr>
+          <p:cNvPr id="4" name="Slide Number Placeholder 3"/>
+          <p:cNvSpPr>
+            <a:spLocks noGrp="1"/>
+          </p:cNvSpPr>
+          <p:nvPr>
+            <p:ph type="sldNum" sz="quarter" idx="5"/>
+          </p:nvPr>
+        </p:nvSpPr>
+        <p:spPr/>
+        <p:txBody>
+          <a:bodyPr/>
+          <a:lstStyle/>
+          <a:p>
+            <a:fld id="{25B657F1-574C-FB42-81B2-F5844F54FA35}" type="slidenum">
+              <a:rPr lang="en-US" smtClean="0"/>
+              <a:t>23</a:t>
+            </a:fld>
+            <a:endParaRPr lang="en-US"/>
+          </a:p>
+        </p:txBody>
+      </p:sp>
+    </p:spTree>
+    <p:extLst>
+      <p:ext uri="{BB962C8B-B14F-4D97-AF65-F5344CB8AC3E}">
+        <p14:creationId xmlns:p14="http://schemas.microsoft.com/office/powerpoint/2010/main" val="1512736839"/>
+      </p:ext>
+    </p:extLst>
+  </p:cSld>
+  <p:clrMapOvr>
+    <a:masterClrMapping/>
+  </p:clrMapOvr>
+</p:notes>
+</file>
+
 <file path=ppt/notesSlides/notesSlide2.xml><?xml version="1.0" encoding="utf-8"?>
 <p:notes xmlns:a="http://schemas.openxmlformats.org/drawingml/2006/main" xmlns:r="http://schemas.openxmlformats.org/officeDocument/2006/relationships" xmlns:p="http://schemas.openxmlformats.org/presentationml/2006/main">
   <p:cSld>
@@ -629,7 +884,7 @@
           <a:p>
             <a:fld id="{25B657F1-574C-FB42-81B2-F5844F54FA35}" type="slidenum">
               <a:rPr lang="en-US" smtClean="0"/>
-              <a:t>10</a:t>
+              <a:t>4</a:t>
             </a:fld>
             <a:endParaRPr lang="en-US"/>
           </a:p>
@@ -638,7 +893,7 @@
     </p:spTree>
     <p:extLst>
       <p:ext uri="{BB962C8B-B14F-4D97-AF65-F5344CB8AC3E}">
-        <p14:creationId xmlns:p14="http://schemas.microsoft.com/office/powerpoint/2010/main" val="1537560857"/>
+        <p14:creationId xmlns:p14="http://schemas.microsoft.com/office/powerpoint/2010/main" val="2304727528"/>
       </p:ext>
     </p:extLst>
   </p:cSld>
@@ -713,7 +968,7 @@
           <a:p>
             <a:fld id="{25B657F1-574C-FB42-81B2-F5844F54FA35}" type="slidenum">
               <a:rPr lang="en-US" smtClean="0"/>
-              <a:t>11</a:t>
+              <a:t>8</a:t>
             </a:fld>
             <a:endParaRPr lang="en-US"/>
           </a:p>
@@ -722,7 +977,7 @@
     </p:spTree>
     <p:extLst>
       <p:ext uri="{BB962C8B-B14F-4D97-AF65-F5344CB8AC3E}">
-        <p14:creationId xmlns:p14="http://schemas.microsoft.com/office/powerpoint/2010/main" val="3015351928"/>
+        <p14:creationId xmlns:p14="http://schemas.microsoft.com/office/powerpoint/2010/main" val="291014603"/>
       </p:ext>
     </p:extLst>
   </p:cSld>
@@ -797,7 +1052,7 @@
           <a:p>
             <a:fld id="{25B657F1-574C-FB42-81B2-F5844F54FA35}" type="slidenum">
               <a:rPr lang="en-US" smtClean="0"/>
-              <a:t>12</a:t>
+              <a:t>10</a:t>
             </a:fld>
             <a:endParaRPr lang="en-US"/>
           </a:p>
@@ -806,7 +1061,7 @@
     </p:spTree>
     <p:extLst>
       <p:ext uri="{BB962C8B-B14F-4D97-AF65-F5344CB8AC3E}">
-        <p14:creationId xmlns:p14="http://schemas.microsoft.com/office/powerpoint/2010/main" val="282671230"/>
+        <p14:creationId xmlns:p14="http://schemas.microsoft.com/office/powerpoint/2010/main" val="1537560857"/>
       </p:ext>
     </p:extLst>
   </p:cSld>
@@ -881,7 +1136,7 @@
           <a:p>
             <a:fld id="{25B657F1-574C-FB42-81B2-F5844F54FA35}" type="slidenum">
               <a:rPr lang="en-US" smtClean="0"/>
-              <a:t>13</a:t>
+              <a:t>12</a:t>
             </a:fld>
             <a:endParaRPr lang="en-US"/>
           </a:p>
@@ -890,7 +1145,7 @@
     </p:spTree>
     <p:extLst>
       <p:ext uri="{BB962C8B-B14F-4D97-AF65-F5344CB8AC3E}">
-        <p14:creationId xmlns:p14="http://schemas.microsoft.com/office/powerpoint/2010/main" val="3120078359"/>
+        <p14:creationId xmlns:p14="http://schemas.microsoft.com/office/powerpoint/2010/main" val="3015351928"/>
       </p:ext>
     </p:extLst>
   </p:cSld>
@@ -965,7 +1220,7 @@
           <a:p>
             <a:fld id="{25B657F1-574C-FB42-81B2-F5844F54FA35}" type="slidenum">
               <a:rPr lang="en-US" smtClean="0"/>
-              <a:t>14</a:t>
+              <a:t>13</a:t>
             </a:fld>
             <a:endParaRPr lang="en-US"/>
           </a:p>
@@ -974,7 +1229,7 @@
     </p:spTree>
     <p:extLst>
       <p:ext uri="{BB962C8B-B14F-4D97-AF65-F5344CB8AC3E}">
-        <p14:creationId xmlns:p14="http://schemas.microsoft.com/office/powerpoint/2010/main" val="79671662"/>
+        <p14:creationId xmlns:p14="http://schemas.microsoft.com/office/powerpoint/2010/main" val="282671230"/>
       </p:ext>
     </p:extLst>
   </p:cSld>
@@ -1049,7 +1304,7 @@
           <a:p>
             <a:fld id="{25B657F1-574C-FB42-81B2-F5844F54FA35}" type="slidenum">
               <a:rPr lang="en-US" smtClean="0"/>
-              <a:t>15</a:t>
+              <a:t>14</a:t>
             </a:fld>
             <a:endParaRPr lang="en-US"/>
           </a:p>
@@ -1058,7 +1313,7 @@
     </p:spTree>
     <p:extLst>
       <p:ext uri="{BB962C8B-B14F-4D97-AF65-F5344CB8AC3E}">
-        <p14:creationId xmlns:p14="http://schemas.microsoft.com/office/powerpoint/2010/main" val="2672207923"/>
+        <p14:creationId xmlns:p14="http://schemas.microsoft.com/office/powerpoint/2010/main" val="3120078359"/>
       </p:ext>
     </p:extLst>
   </p:cSld>
@@ -1112,7 +1367,6 @@
           <a:bodyPr/>
           <a:lstStyle/>
           <a:p>
-            <a:pPr marL="0" algn="l" defTabSz="914400" rtl="0" eaLnBrk="1" latinLnBrk="0" hangingPunct="1"/>
             <a:endParaRPr lang="en-US" dirty="0"/>
           </a:p>
         </p:txBody>
@@ -1134,7 +1388,7 @@
           <a:p>
             <a:fld id="{25B657F1-574C-FB42-81B2-F5844F54FA35}" type="slidenum">
               <a:rPr lang="en-US" smtClean="0"/>
-              <a:t>17</a:t>
+              <a:t>16</a:t>
             </a:fld>
             <a:endParaRPr lang="en-US"/>
           </a:p>
@@ -1143,7 +1397,7 @@
     </p:spTree>
     <p:extLst>
       <p:ext uri="{BB962C8B-B14F-4D97-AF65-F5344CB8AC3E}">
-        <p14:creationId xmlns:p14="http://schemas.microsoft.com/office/powerpoint/2010/main" val="3604393179"/>
+        <p14:creationId xmlns:p14="http://schemas.microsoft.com/office/powerpoint/2010/main" val="79671662"/>
       </p:ext>
     </p:extLst>
   </p:cSld>
@@ -1218,7 +1472,7 @@
           <a:p>
             <a:fld id="{25B657F1-574C-FB42-81B2-F5844F54FA35}" type="slidenum">
               <a:rPr lang="en-US" smtClean="0"/>
-              <a:t>21</a:t>
+              <a:t>17</a:t>
             </a:fld>
             <a:endParaRPr lang="en-US"/>
           </a:p>
@@ -1227,7 +1481,7 @@
     </p:spTree>
     <p:extLst>
       <p:ext uri="{BB962C8B-B14F-4D97-AF65-F5344CB8AC3E}">
-        <p14:creationId xmlns:p14="http://schemas.microsoft.com/office/powerpoint/2010/main" val="1512736839"/>
+        <p14:creationId xmlns:p14="http://schemas.microsoft.com/office/powerpoint/2010/main" val="2672207923"/>
       </p:ext>
     </p:extLst>
   </p:cSld>
@@ -4989,6 +5243,60 @@
           </a:p>
         </p:txBody>
       </p:sp>
+      <p:sp>
+        <p:nvSpPr>
+          <p:cNvPr id="15" name="Rounded Rectangle 14">
+            <a:extLst>
+              <a:ext uri="{FF2B5EF4-FFF2-40B4-BE49-F238E27FC236}">
+                <a16:creationId xmlns:a16="http://schemas.microsoft.com/office/drawing/2014/main" id="{D07F0C77-5090-509D-C190-E21114A81986}"/>
+              </a:ext>
+            </a:extLst>
+          </p:cNvPr>
+          <p:cNvSpPr/>
+          <p:nvPr/>
+        </p:nvSpPr>
+        <p:spPr>
+          <a:xfrm>
+            <a:off x="1495437" y="4492356"/>
+            <a:ext cx="3020003" cy="490398"/>
+          </a:xfrm>
+          <a:prstGeom prst="roundRect">
+            <a:avLst/>
+          </a:prstGeom>
+          <a:solidFill>
+            <a:schemeClr val="accent2">
+              <a:alpha val="30632"/>
+            </a:schemeClr>
+          </a:solidFill>
+          <a:ln>
+            <a:noFill/>
+          </a:ln>
+        </p:spPr>
+        <p:style>
+          <a:lnRef idx="2">
+            <a:schemeClr val="accent1">
+              <a:shade val="15000"/>
+            </a:schemeClr>
+          </a:lnRef>
+          <a:fillRef idx="1">
+            <a:schemeClr val="accent1"/>
+          </a:fillRef>
+          <a:effectRef idx="0">
+            <a:schemeClr val="accent1"/>
+          </a:effectRef>
+          <a:fontRef idx="minor">
+            <a:schemeClr val="lt1"/>
+          </a:fontRef>
+        </p:style>
+        <p:txBody>
+          <a:bodyPr rtlCol="0" anchor="ctr"/>
+          <a:lstStyle/>
+          <a:p>
+            <a:pPr algn="ctr"/>
+            <a:endParaRPr lang="en-US" dirty="0"/>
+          </a:p>
+        </p:txBody>
+      </p:sp>
     </p:spTree>
     <p:extLst>
       <p:ext uri="{BB962C8B-B14F-4D97-AF65-F5344CB8AC3E}">
@@ -5024,7 +5332,7 @@
           <p:cNvPr id="2" name="Title 1">
             <a:extLst>
               <a:ext uri="{FF2B5EF4-FFF2-40B4-BE49-F238E27FC236}">
-                <a16:creationId xmlns:a16="http://schemas.microsoft.com/office/drawing/2014/main" id="{64402F61-47FF-F298-21CC-C07AB082B155}"/>
+                <a16:creationId xmlns:a16="http://schemas.microsoft.com/office/drawing/2014/main" id="{57214B30-8396-1A5A-FD18-13D1527F85B1}"/>
               </a:ext>
             </a:extLst>
           </p:cNvPr>
@@ -5037,8 +5345,8 @@
         </p:nvSpPr>
         <p:spPr>
           <a:xfrm>
-            <a:off x="0" y="60325"/>
-            <a:ext cx="10515600" cy="747395"/>
+            <a:off x="140617" y="136525"/>
+            <a:ext cx="10515600" cy="700104"/>
           </a:xfrm>
         </p:spPr>
         <p:txBody>
@@ -5047,8 +5355,33 @@
           <a:p>
             <a:r>
               <a:rPr lang="en-US" dirty="0"/>
-              <a:t>Mean decrease impurity (MDI) </a:t>
-            </a:r>
+              <a:t>Theoretical tangent</a:t>
+            </a:r>
+          </a:p>
+        </p:txBody>
+      </p:sp>
+      <p:sp>
+        <p:nvSpPr>
+          <p:cNvPr id="3" name="Content Placeholder 2">
+            <a:extLst>
+              <a:ext uri="{FF2B5EF4-FFF2-40B4-BE49-F238E27FC236}">
+                <a16:creationId xmlns:a16="http://schemas.microsoft.com/office/drawing/2014/main" id="{E3490007-66AF-A272-7F5F-9449939D57CF}"/>
+              </a:ext>
+            </a:extLst>
+          </p:cNvPr>
+          <p:cNvSpPr>
+            <a:spLocks noGrp="1"/>
+          </p:cNvSpPr>
+          <p:nvPr>
+            <p:ph idx="1"/>
+          </p:nvPr>
+        </p:nvSpPr>
+        <p:spPr/>
+        <p:txBody>
+          <a:bodyPr/>
+          <a:lstStyle/>
+          <a:p>
+            <a:endParaRPr lang="en-US"/>
           </a:p>
         </p:txBody>
       </p:sp>
@@ -5057,7 +5390,7 @@
           <p:cNvPr id="4" name="Slide Number Placeholder 3">
             <a:extLst>
               <a:ext uri="{FF2B5EF4-FFF2-40B4-BE49-F238E27FC236}">
-                <a16:creationId xmlns:a16="http://schemas.microsoft.com/office/drawing/2014/main" id="{2FB47C1A-F198-5453-D7A4-B3B1BAC7A519}"/>
+                <a16:creationId xmlns:a16="http://schemas.microsoft.com/office/drawing/2014/main" id="{30E8415D-5885-2114-1DE2-1CF6AB9168C7}"/>
               </a:ext>
             </a:extLst>
           </p:cNvPr>
@@ -5076,6 +5409,212 @@
             <a:fld id="{C24A80E4-449E-374F-B36C-723503BC9C61}" type="slidenum">
               <a:rPr lang="en-US" smtClean="0"/>
               <a:t>11</a:t>
+            </a:fld>
+            <a:endParaRPr lang="en-US"/>
+          </a:p>
+        </p:txBody>
+      </p:sp>
+      <p:pic>
+        <p:nvPicPr>
+          <p:cNvPr id="5" name="Picture 4">
+            <a:extLst>
+              <a:ext uri="{FF2B5EF4-FFF2-40B4-BE49-F238E27FC236}">
+                <a16:creationId xmlns:a16="http://schemas.microsoft.com/office/drawing/2014/main" id="{6B088FA3-6DAC-CFF7-AB63-D012A2F62BCD}"/>
+              </a:ext>
+            </a:extLst>
+          </p:cNvPr>
+          <p:cNvPicPr>
+            <a:picLocks noChangeAspect="1"/>
+          </p:cNvPicPr>
+          <p:nvPr/>
+        </p:nvPicPr>
+        <p:blipFill>
+          <a:blip r:embed="rId2"/>
+          <a:stretch>
+            <a:fillRect/>
+          </a:stretch>
+        </p:blipFill>
+        <p:spPr>
+          <a:xfrm>
+            <a:off x="6111711" y="0"/>
+            <a:ext cx="4715955" cy="6858000"/>
+          </a:xfrm>
+          <a:prstGeom prst="rect">
+            <a:avLst/>
+          </a:prstGeom>
+        </p:spPr>
+      </p:pic>
+      <p:pic>
+        <p:nvPicPr>
+          <p:cNvPr id="7" name="Picture 6">
+            <a:extLst>
+              <a:ext uri="{FF2B5EF4-FFF2-40B4-BE49-F238E27FC236}">
+                <a16:creationId xmlns:a16="http://schemas.microsoft.com/office/drawing/2014/main" id="{68312128-E854-D97B-7B48-9DEAC7AE0B91}"/>
+              </a:ext>
+            </a:extLst>
+          </p:cNvPr>
+          <p:cNvPicPr>
+            <a:picLocks noChangeAspect="1"/>
+          </p:cNvPicPr>
+          <p:nvPr/>
+        </p:nvPicPr>
+        <p:blipFill>
+          <a:blip r:embed="rId3"/>
+          <a:stretch>
+            <a:fillRect/>
+          </a:stretch>
+        </p:blipFill>
+        <p:spPr>
+          <a:xfrm>
+            <a:off x="140617" y="1105239"/>
+            <a:ext cx="6525845" cy="1440771"/>
+          </a:xfrm>
+          <a:prstGeom prst="rect">
+            <a:avLst/>
+          </a:prstGeom>
+        </p:spPr>
+      </p:pic>
+      <p:sp>
+        <p:nvSpPr>
+          <p:cNvPr id="8" name="Rounded Rectangle 7">
+            <a:extLst>
+              <a:ext uri="{FF2B5EF4-FFF2-40B4-BE49-F238E27FC236}">
+                <a16:creationId xmlns:a16="http://schemas.microsoft.com/office/drawing/2014/main" id="{FB8AB9A7-0C6B-7511-DF88-3C14FCD9190F}"/>
+              </a:ext>
+            </a:extLst>
+          </p:cNvPr>
+          <p:cNvSpPr/>
+          <p:nvPr/>
+        </p:nvSpPr>
+        <p:spPr>
+          <a:xfrm>
+            <a:off x="1326626" y="1209785"/>
+            <a:ext cx="5302128" cy="311084"/>
+          </a:xfrm>
+          <a:prstGeom prst="roundRect">
+            <a:avLst/>
+          </a:prstGeom>
+          <a:solidFill>
+            <a:schemeClr val="accent2">
+              <a:alpha val="30756"/>
+            </a:schemeClr>
+          </a:solidFill>
+          <a:ln>
+            <a:noFill/>
+          </a:ln>
+        </p:spPr>
+        <p:style>
+          <a:lnRef idx="2">
+            <a:schemeClr val="accent1">
+              <a:shade val="15000"/>
+            </a:schemeClr>
+          </a:lnRef>
+          <a:fillRef idx="1">
+            <a:schemeClr val="accent1"/>
+          </a:fillRef>
+          <a:effectRef idx="0">
+            <a:schemeClr val="accent1"/>
+          </a:effectRef>
+          <a:fontRef idx="minor">
+            <a:schemeClr val="lt1"/>
+          </a:fontRef>
+        </p:style>
+        <p:txBody>
+          <a:bodyPr rtlCol="0" anchor="ctr"/>
+          <a:lstStyle/>
+          <a:p>
+            <a:pPr algn="ctr"/>
+            <a:endParaRPr lang="en-US"/>
+          </a:p>
+        </p:txBody>
+      </p:sp>
+    </p:spTree>
+    <p:extLst>
+      <p:ext uri="{BB962C8B-B14F-4D97-AF65-F5344CB8AC3E}">
+        <p14:creationId xmlns:p14="http://schemas.microsoft.com/office/powerpoint/2010/main" val="2400533278"/>
+      </p:ext>
+    </p:extLst>
+  </p:cSld>
+  <p:clrMapOvr>
+    <a:masterClrMapping/>
+  </p:clrMapOvr>
+</p:sld>
+</file>
+
+<file path=ppt/slides/slide12.xml><?xml version="1.0" encoding="utf-8"?>
+<p:sld xmlns:a="http://schemas.openxmlformats.org/drawingml/2006/main" xmlns:r="http://schemas.openxmlformats.org/officeDocument/2006/relationships" xmlns:p="http://schemas.openxmlformats.org/presentationml/2006/main">
+  <p:cSld>
+    <p:spTree>
+      <p:nvGrpSpPr>
+        <p:cNvPr id="1" name=""/>
+        <p:cNvGrpSpPr/>
+        <p:nvPr/>
+      </p:nvGrpSpPr>
+      <p:grpSpPr>
+        <a:xfrm>
+          <a:off x="0" y="0"/>
+          <a:ext cx="0" cy="0"/>
+          <a:chOff x="0" y="0"/>
+          <a:chExt cx="0" cy="0"/>
+        </a:xfrm>
+      </p:grpSpPr>
+      <p:sp>
+        <p:nvSpPr>
+          <p:cNvPr id="2" name="Title 1">
+            <a:extLst>
+              <a:ext uri="{FF2B5EF4-FFF2-40B4-BE49-F238E27FC236}">
+                <a16:creationId xmlns:a16="http://schemas.microsoft.com/office/drawing/2014/main" id="{64402F61-47FF-F298-21CC-C07AB082B155}"/>
+              </a:ext>
+            </a:extLst>
+          </p:cNvPr>
+          <p:cNvSpPr>
+            <a:spLocks noGrp="1"/>
+          </p:cNvSpPr>
+          <p:nvPr>
+            <p:ph type="title"/>
+          </p:nvPr>
+        </p:nvSpPr>
+        <p:spPr>
+          <a:xfrm>
+            <a:off x="0" y="60325"/>
+            <a:ext cx="10515600" cy="747395"/>
+          </a:xfrm>
+        </p:spPr>
+        <p:txBody>
+          <a:bodyPr/>
+          <a:lstStyle/>
+          <a:p>
+            <a:r>
+              <a:rPr lang="en-US" dirty="0"/>
+              <a:t>Mean decrease impurity (MDI) </a:t>
+            </a:r>
+          </a:p>
+        </p:txBody>
+      </p:sp>
+      <p:sp>
+        <p:nvSpPr>
+          <p:cNvPr id="4" name="Slide Number Placeholder 3">
+            <a:extLst>
+              <a:ext uri="{FF2B5EF4-FFF2-40B4-BE49-F238E27FC236}">
+                <a16:creationId xmlns:a16="http://schemas.microsoft.com/office/drawing/2014/main" id="{2FB47C1A-F198-5453-D7A4-B3B1BAC7A519}"/>
+              </a:ext>
+            </a:extLst>
+          </p:cNvPr>
+          <p:cNvSpPr>
+            <a:spLocks noGrp="1"/>
+          </p:cNvSpPr>
+          <p:nvPr>
+            <p:ph type="sldNum" sz="quarter" idx="12"/>
+          </p:nvPr>
+        </p:nvSpPr>
+        <p:spPr/>
+        <p:txBody>
+          <a:bodyPr/>
+          <a:lstStyle/>
+          <a:p>
+            <a:fld id="{C24A80E4-449E-374F-B36C-723503BC9C61}" type="slidenum">
+              <a:rPr lang="en-US" smtClean="0"/>
+              <a:t>12</a:t>
             </a:fld>
             <a:endParaRPr lang="en-US"/>
           </a:p>
@@ -5359,7 +5898,7 @@
 </p:sld>
 </file>
 
-<file path=ppt/slides/slide12.xml><?xml version="1.0" encoding="utf-8"?>
+<file path=ppt/slides/slide13.xml><?xml version="1.0" encoding="utf-8"?>
 <p:sld xmlns:a="http://schemas.openxmlformats.org/drawingml/2006/main" xmlns:r="http://schemas.openxmlformats.org/officeDocument/2006/relationships" xmlns:p="http://schemas.openxmlformats.org/presentationml/2006/main">
   <p:cSld>
     <p:spTree>
@@ -5434,7 +5973,7 @@
           <a:p>
             <a:fld id="{C24A80E4-449E-374F-B36C-723503BC9C61}" type="slidenum">
               <a:rPr lang="en-US" smtClean="0"/>
-              <a:t>12</a:t>
+              <a:t>13</a:t>
             </a:fld>
             <a:endParaRPr lang="en-US"/>
           </a:p>
@@ -6275,261 +6814,6 @@
 </p:sld>
 </file>
 
-<file path=ppt/slides/slide13.xml><?xml version="1.0" encoding="utf-8"?>
-<p:sld xmlns:a="http://schemas.openxmlformats.org/drawingml/2006/main" xmlns:r="http://schemas.openxmlformats.org/officeDocument/2006/relationships" xmlns:p="http://schemas.openxmlformats.org/presentationml/2006/main">
-  <p:cSld>
-    <p:spTree>
-      <p:nvGrpSpPr>
-        <p:cNvPr id="1" name=""/>
-        <p:cNvGrpSpPr/>
-        <p:nvPr/>
-      </p:nvGrpSpPr>
-      <p:grpSpPr>
-        <a:xfrm>
-          <a:off x="0" y="0"/>
-          <a:ext cx="0" cy="0"/>
-          <a:chOff x="0" y="0"/>
-          <a:chExt cx="0" cy="0"/>
-        </a:xfrm>
-      </p:grpSpPr>
-      <p:sp>
-        <p:nvSpPr>
-          <p:cNvPr id="2" name="Title 1">
-            <a:extLst>
-              <a:ext uri="{FF2B5EF4-FFF2-40B4-BE49-F238E27FC236}">
-                <a16:creationId xmlns:a16="http://schemas.microsoft.com/office/drawing/2014/main" id="{0AE551D4-639A-FFA8-6EB3-D466CD4E84A1}"/>
-              </a:ext>
-            </a:extLst>
-          </p:cNvPr>
-          <p:cNvSpPr>
-            <a:spLocks noGrp="1"/>
-          </p:cNvSpPr>
-          <p:nvPr>
-            <p:ph type="title"/>
-          </p:nvPr>
-        </p:nvSpPr>
-        <p:spPr>
-          <a:xfrm>
-            <a:off x="253738" y="136525"/>
-            <a:ext cx="10515600" cy="841506"/>
-          </a:xfrm>
-        </p:spPr>
-        <p:txBody>
-          <a:bodyPr/>
-          <a:lstStyle/>
-          <a:p>
-            <a:r>
-              <a:rPr lang="en-US" dirty="0"/>
-              <a:t>Practical considerations for the MDI</a:t>
-            </a:r>
-          </a:p>
-        </p:txBody>
-      </p:sp>
-      <p:sp>
-        <p:nvSpPr>
-          <p:cNvPr id="3" name="Content Placeholder 2">
-            <a:extLst>
-              <a:ext uri="{FF2B5EF4-FFF2-40B4-BE49-F238E27FC236}">
-                <a16:creationId xmlns:a16="http://schemas.microsoft.com/office/drawing/2014/main" id="{F16F3F4E-E3A6-D2BE-1BF6-C1F0CEEFB742}"/>
-              </a:ext>
-            </a:extLst>
-          </p:cNvPr>
-          <p:cNvSpPr>
-            <a:spLocks noGrp="1"/>
-          </p:cNvSpPr>
-          <p:nvPr>
-            <p:ph idx="1"/>
-          </p:nvPr>
-        </p:nvSpPr>
-        <p:spPr/>
-        <p:txBody>
-          <a:bodyPr/>
-          <a:lstStyle/>
-          <a:p>
-            <a:endParaRPr lang="en-US"/>
-          </a:p>
-        </p:txBody>
-      </p:sp>
-      <p:sp>
-        <p:nvSpPr>
-          <p:cNvPr id="4" name="Slide Number Placeholder 3">
-            <a:extLst>
-              <a:ext uri="{FF2B5EF4-FFF2-40B4-BE49-F238E27FC236}">
-                <a16:creationId xmlns:a16="http://schemas.microsoft.com/office/drawing/2014/main" id="{B73D5D9C-C56C-DCC5-8987-CA01D2139F8E}"/>
-              </a:ext>
-            </a:extLst>
-          </p:cNvPr>
-          <p:cNvSpPr>
-            <a:spLocks noGrp="1"/>
-          </p:cNvSpPr>
-          <p:nvPr>
-            <p:ph type="sldNum" sz="quarter" idx="12"/>
-          </p:nvPr>
-        </p:nvSpPr>
-        <p:spPr/>
-        <p:txBody>
-          <a:bodyPr/>
-          <a:lstStyle/>
-          <a:p>
-            <a:fld id="{C24A80E4-449E-374F-B36C-723503BC9C61}" type="slidenum">
-              <a:rPr lang="en-US" smtClean="0"/>
-              <a:t>13</a:t>
-            </a:fld>
-            <a:endParaRPr lang="en-US"/>
-          </a:p>
-        </p:txBody>
-      </p:sp>
-      <p:pic>
-        <p:nvPicPr>
-          <p:cNvPr id="6" name="Picture 5">
-            <a:extLst>
-              <a:ext uri="{FF2B5EF4-FFF2-40B4-BE49-F238E27FC236}">
-                <a16:creationId xmlns:a16="http://schemas.microsoft.com/office/drawing/2014/main" id="{CBE45C47-9897-C234-649A-0ADB7ACE9125}"/>
-              </a:ext>
-            </a:extLst>
-          </p:cNvPr>
-          <p:cNvPicPr>
-            <a:picLocks noChangeAspect="1"/>
-          </p:cNvPicPr>
-          <p:nvPr/>
-        </p:nvPicPr>
-        <p:blipFill>
-          <a:blip r:embed="rId3"/>
-          <a:stretch>
-            <a:fillRect/>
-          </a:stretch>
-        </p:blipFill>
-        <p:spPr>
-          <a:xfrm>
-            <a:off x="253738" y="1271613"/>
-            <a:ext cx="11611780" cy="5084737"/>
-          </a:xfrm>
-          <a:prstGeom prst="rect">
-            <a:avLst/>
-          </a:prstGeom>
-        </p:spPr>
-      </p:pic>
-      <p:sp>
-        <p:nvSpPr>
-          <p:cNvPr id="7" name="Rounded Rectangle 6">
-            <a:extLst>
-              <a:ext uri="{FF2B5EF4-FFF2-40B4-BE49-F238E27FC236}">
-                <a16:creationId xmlns:a16="http://schemas.microsoft.com/office/drawing/2014/main" id="{CE919F9E-086E-520E-D404-927E76E85F9C}"/>
-              </a:ext>
-            </a:extLst>
-          </p:cNvPr>
-          <p:cNvSpPr/>
-          <p:nvPr/>
-        </p:nvSpPr>
-        <p:spPr>
-          <a:xfrm>
-            <a:off x="601980" y="3169920"/>
-            <a:ext cx="3429000" cy="327660"/>
-          </a:xfrm>
-          <a:prstGeom prst="roundRect">
-            <a:avLst/>
-          </a:prstGeom>
-          <a:solidFill>
-            <a:srgbClr val="FF0000">
-              <a:alpha val="26000"/>
-            </a:srgbClr>
-          </a:solidFill>
-          <a:ln>
-            <a:noFill/>
-          </a:ln>
-        </p:spPr>
-        <p:style>
-          <a:lnRef idx="2">
-            <a:schemeClr val="accent1">
-              <a:shade val="15000"/>
-            </a:schemeClr>
-          </a:lnRef>
-          <a:fillRef idx="1">
-            <a:schemeClr val="accent1"/>
-          </a:fillRef>
-          <a:effectRef idx="0">
-            <a:schemeClr val="accent1"/>
-          </a:effectRef>
-          <a:fontRef idx="minor">
-            <a:schemeClr val="lt1"/>
-          </a:fontRef>
-        </p:style>
-        <p:txBody>
-          <a:bodyPr rtlCol="0" anchor="ctr"/>
-          <a:lstStyle/>
-          <a:p>
-            <a:pPr algn="ctr"/>
-            <a:endParaRPr lang="en-US"/>
-          </a:p>
-        </p:txBody>
-      </p:sp>
-      <p:sp>
-        <p:nvSpPr>
-          <p:cNvPr id="8" name="Rounded Rectangle 7">
-            <a:extLst>
-              <a:ext uri="{FF2B5EF4-FFF2-40B4-BE49-F238E27FC236}">
-                <a16:creationId xmlns:a16="http://schemas.microsoft.com/office/drawing/2014/main" id="{1142AC28-95A9-4057-EB07-0E90008C751C}"/>
-              </a:ext>
-            </a:extLst>
-          </p:cNvPr>
-          <p:cNvSpPr/>
-          <p:nvPr/>
-        </p:nvSpPr>
-        <p:spPr>
-          <a:xfrm>
-            <a:off x="601979" y="4678045"/>
-            <a:ext cx="8080107" cy="327660"/>
-          </a:xfrm>
-          <a:prstGeom prst="roundRect">
-            <a:avLst/>
-          </a:prstGeom>
-          <a:solidFill>
-            <a:srgbClr val="FF0000">
-              <a:alpha val="26000"/>
-            </a:srgbClr>
-          </a:solidFill>
-          <a:ln>
-            <a:noFill/>
-          </a:ln>
-        </p:spPr>
-        <p:style>
-          <a:lnRef idx="2">
-            <a:schemeClr val="accent1">
-              <a:shade val="15000"/>
-            </a:schemeClr>
-          </a:lnRef>
-          <a:fillRef idx="1">
-            <a:schemeClr val="accent1"/>
-          </a:fillRef>
-          <a:effectRef idx="0">
-            <a:schemeClr val="accent1"/>
-          </a:effectRef>
-          <a:fontRef idx="minor">
-            <a:schemeClr val="lt1"/>
-          </a:fontRef>
-        </p:style>
-        <p:txBody>
-          <a:bodyPr rtlCol="0" anchor="ctr"/>
-          <a:lstStyle/>
-          <a:p>
-            <a:pPr algn="ctr"/>
-            <a:endParaRPr lang="en-US"/>
-          </a:p>
-        </p:txBody>
-      </p:sp>
-    </p:spTree>
-    <p:extLst>
-      <p:ext uri="{BB962C8B-B14F-4D97-AF65-F5344CB8AC3E}">
-        <p14:creationId xmlns:p14="http://schemas.microsoft.com/office/powerpoint/2010/main" val="2368149770"/>
-      </p:ext>
-    </p:extLst>
-  </p:cSld>
-  <p:clrMapOvr>
-    <a:masterClrMapping/>
-  </p:clrMapOvr>
-</p:sld>
-</file>
-
 <file path=ppt/slides/slide14.xml><?xml version="1.0" encoding="utf-8"?>
 <p:sld xmlns:a="http://schemas.openxmlformats.org/drawingml/2006/main" xmlns:r="http://schemas.openxmlformats.org/officeDocument/2006/relationships" xmlns:p="http://schemas.openxmlformats.org/presentationml/2006/main">
   <p:cSld>
@@ -6547,101 +6831,12 @@
           <a:chExt cx="0" cy="0"/>
         </a:xfrm>
       </p:grpSpPr>
-      <p:sp>
-        <p:nvSpPr>
-          <p:cNvPr id="2" name="Title 1">
-            <a:extLst>
-              <a:ext uri="{FF2B5EF4-FFF2-40B4-BE49-F238E27FC236}">
-                <a16:creationId xmlns:a16="http://schemas.microsoft.com/office/drawing/2014/main" id="{4D8D7113-1EAD-76EA-41B6-59ABEBC3B729}"/>
-              </a:ext>
-            </a:extLst>
-          </p:cNvPr>
-          <p:cNvSpPr>
-            <a:spLocks noGrp="1"/>
-          </p:cNvSpPr>
-          <p:nvPr>
-            <p:ph type="title"/>
-          </p:nvPr>
-        </p:nvSpPr>
-        <p:spPr>
-          <a:xfrm>
-            <a:off x="0" y="103482"/>
-            <a:ext cx="10515600" cy="577555"/>
-          </a:xfrm>
-        </p:spPr>
-        <p:txBody>
-          <a:bodyPr>
-            <a:normAutofit fontScale="90000"/>
-          </a:bodyPr>
-          <a:lstStyle/>
-          <a:p>
-            <a:r>
-              <a:rPr lang="en-US" dirty="0"/>
-              <a:t>Example revisited</a:t>
-            </a:r>
-          </a:p>
-        </p:txBody>
-      </p:sp>
-      <p:sp>
-        <p:nvSpPr>
-          <p:cNvPr id="3" name="Content Placeholder 2">
-            <a:extLst>
-              <a:ext uri="{FF2B5EF4-FFF2-40B4-BE49-F238E27FC236}">
-                <a16:creationId xmlns:a16="http://schemas.microsoft.com/office/drawing/2014/main" id="{7549CF84-5B60-3625-A5E3-AE5D6193CF48}"/>
-              </a:ext>
-            </a:extLst>
-          </p:cNvPr>
-          <p:cNvSpPr>
-            <a:spLocks noGrp="1"/>
-          </p:cNvSpPr>
-          <p:nvPr>
-            <p:ph idx="1"/>
-          </p:nvPr>
-        </p:nvSpPr>
-        <p:spPr/>
-        <p:txBody>
-          <a:bodyPr/>
-          <a:lstStyle/>
-          <a:p>
-            <a:endParaRPr lang="en-US"/>
-          </a:p>
-        </p:txBody>
-      </p:sp>
-      <p:sp>
-        <p:nvSpPr>
-          <p:cNvPr id="4" name="Slide Number Placeholder 3">
-            <a:extLst>
-              <a:ext uri="{FF2B5EF4-FFF2-40B4-BE49-F238E27FC236}">
-                <a16:creationId xmlns:a16="http://schemas.microsoft.com/office/drawing/2014/main" id="{8C0C479C-EA79-92B8-DBA5-5483FDF02235}"/>
-              </a:ext>
-            </a:extLst>
-          </p:cNvPr>
-          <p:cNvSpPr>
-            <a:spLocks noGrp="1"/>
-          </p:cNvSpPr>
-          <p:nvPr>
-            <p:ph type="sldNum" sz="quarter" idx="12"/>
-          </p:nvPr>
-        </p:nvSpPr>
-        <p:spPr/>
-        <p:txBody>
-          <a:bodyPr/>
-          <a:lstStyle/>
-          <a:p>
-            <a:fld id="{C24A80E4-449E-374F-B36C-723503BC9C61}" type="slidenum">
-              <a:rPr lang="en-US" smtClean="0"/>
-              <a:t>14</a:t>
-            </a:fld>
-            <a:endParaRPr lang="en-US"/>
-          </a:p>
-        </p:txBody>
-      </p:sp>
       <p:pic>
         <p:nvPicPr>
-          <p:cNvPr id="5" name="Picture 4">
-            <a:extLst>
-              <a:ext uri="{FF2B5EF4-FFF2-40B4-BE49-F238E27FC236}">
-                <a16:creationId xmlns:a16="http://schemas.microsoft.com/office/drawing/2014/main" id="{71385181-A865-BB0F-C8DA-90648BA91F31}"/>
+          <p:cNvPr id="9" name="Picture 8">
+            <a:extLst>
+              <a:ext uri="{FF2B5EF4-FFF2-40B4-BE49-F238E27FC236}">
+                <a16:creationId xmlns:a16="http://schemas.microsoft.com/office/drawing/2014/main" id="{82CF9BEC-41D7-3ABE-78B9-8A17EF5C4902}"/>
               </a:ext>
             </a:extLst>
           </p:cNvPr>
@@ -6658,78 +6853,188 @@
         </p:blipFill>
         <p:spPr>
           <a:xfrm>
-            <a:off x="5118755" y="1903847"/>
-            <a:ext cx="6737913" cy="1821616"/>
+            <a:off x="418706" y="1018880"/>
+            <a:ext cx="11171313" cy="5477873"/>
           </a:xfrm>
           <a:prstGeom prst="rect">
             <a:avLst/>
           </a:prstGeom>
         </p:spPr>
       </p:pic>
-      <p:pic>
-        <p:nvPicPr>
-          <p:cNvPr id="6" name="Picture 5">
-            <a:extLst>
-              <a:ext uri="{FF2B5EF4-FFF2-40B4-BE49-F238E27FC236}">
-                <a16:creationId xmlns:a16="http://schemas.microsoft.com/office/drawing/2014/main" id="{B42B4C81-2898-AE35-3A1A-D6963C85A061}"/>
-              </a:ext>
-            </a:extLst>
-          </p:cNvPr>
-          <p:cNvPicPr>
-            <a:picLocks noChangeAspect="1"/>
-          </p:cNvPicPr>
+      <p:sp>
+        <p:nvSpPr>
+          <p:cNvPr id="2" name="Title 1">
+            <a:extLst>
+              <a:ext uri="{FF2B5EF4-FFF2-40B4-BE49-F238E27FC236}">
+                <a16:creationId xmlns:a16="http://schemas.microsoft.com/office/drawing/2014/main" id="{0AE551D4-639A-FFA8-6EB3-D466CD4E84A1}"/>
+              </a:ext>
+            </a:extLst>
+          </p:cNvPr>
+          <p:cNvSpPr>
+            <a:spLocks noGrp="1"/>
+          </p:cNvSpPr>
+          <p:nvPr>
+            <p:ph type="title"/>
+          </p:nvPr>
+        </p:nvSpPr>
+        <p:spPr>
+          <a:xfrm>
+            <a:off x="253738" y="136525"/>
+            <a:ext cx="10515600" cy="841506"/>
+          </a:xfrm>
+        </p:spPr>
+        <p:txBody>
+          <a:bodyPr/>
+          <a:lstStyle/>
+          <a:p>
+            <a:r>
+              <a:rPr lang="en-US" dirty="0"/>
+              <a:t>Practical considerations for the MDI</a:t>
+            </a:r>
+          </a:p>
+        </p:txBody>
+      </p:sp>
+      <p:sp>
+        <p:nvSpPr>
+          <p:cNvPr id="4" name="Slide Number Placeholder 3">
+            <a:extLst>
+              <a:ext uri="{FF2B5EF4-FFF2-40B4-BE49-F238E27FC236}">
+                <a16:creationId xmlns:a16="http://schemas.microsoft.com/office/drawing/2014/main" id="{B73D5D9C-C56C-DCC5-8987-CA01D2139F8E}"/>
+              </a:ext>
+            </a:extLst>
+          </p:cNvPr>
+          <p:cNvSpPr>
+            <a:spLocks noGrp="1"/>
+          </p:cNvSpPr>
+          <p:nvPr>
+            <p:ph type="sldNum" sz="quarter" idx="12"/>
+          </p:nvPr>
+        </p:nvSpPr>
+        <p:spPr/>
+        <p:txBody>
+          <a:bodyPr/>
+          <a:lstStyle/>
+          <a:p>
+            <a:fld id="{C24A80E4-449E-374F-B36C-723503BC9C61}" type="slidenum">
+              <a:rPr lang="en-US" smtClean="0"/>
+              <a:t>14</a:t>
+            </a:fld>
+            <a:endParaRPr lang="en-US"/>
+          </a:p>
+        </p:txBody>
+      </p:sp>
+      <p:sp>
+        <p:nvSpPr>
+          <p:cNvPr id="7" name="Rounded Rectangle 6">
+            <a:extLst>
+              <a:ext uri="{FF2B5EF4-FFF2-40B4-BE49-F238E27FC236}">
+                <a16:creationId xmlns:a16="http://schemas.microsoft.com/office/drawing/2014/main" id="{CE919F9E-086E-520E-D404-927E76E85F9C}"/>
+              </a:ext>
+            </a:extLst>
+          </p:cNvPr>
+          <p:cNvSpPr/>
           <p:nvPr/>
-        </p:nvPicPr>
-        <p:blipFill>
-          <a:blip r:embed="rId4"/>
-          <a:stretch>
-            <a:fillRect/>
-          </a:stretch>
-        </p:blipFill>
-        <p:spPr>
-          <a:xfrm>
-            <a:off x="5203596" y="87425"/>
-            <a:ext cx="6653072" cy="1800365"/>
-          </a:xfrm>
-          <a:prstGeom prst="rect">
+        </p:nvSpPr>
+        <p:spPr>
+          <a:xfrm>
+            <a:off x="771663" y="3006090"/>
+            <a:ext cx="3429000" cy="327660"/>
+          </a:xfrm>
+          <a:prstGeom prst="roundRect">
             <a:avLst/>
           </a:prstGeom>
-        </p:spPr>
-      </p:pic>
-      <p:pic>
-        <p:nvPicPr>
-          <p:cNvPr id="7" name="Picture 6">
-            <a:extLst>
-              <a:ext uri="{FF2B5EF4-FFF2-40B4-BE49-F238E27FC236}">
-                <a16:creationId xmlns:a16="http://schemas.microsoft.com/office/drawing/2014/main" id="{3A961813-436D-FA89-9EC6-2BCD3F04AF9E}"/>
-              </a:ext>
-            </a:extLst>
-          </p:cNvPr>
-          <p:cNvPicPr>
-            <a:picLocks noChangeAspect="1"/>
-          </p:cNvPicPr>
+          <a:solidFill>
+            <a:srgbClr val="FF0000">
+              <a:alpha val="26000"/>
+            </a:srgbClr>
+          </a:solidFill>
+          <a:ln>
+            <a:noFill/>
+          </a:ln>
+        </p:spPr>
+        <p:style>
+          <a:lnRef idx="2">
+            <a:schemeClr val="accent1">
+              <a:shade val="15000"/>
+            </a:schemeClr>
+          </a:lnRef>
+          <a:fillRef idx="1">
+            <a:schemeClr val="accent1"/>
+          </a:fillRef>
+          <a:effectRef idx="0">
+            <a:schemeClr val="accent1"/>
+          </a:effectRef>
+          <a:fontRef idx="minor">
+            <a:schemeClr val="lt1"/>
+          </a:fontRef>
+        </p:style>
+        <p:txBody>
+          <a:bodyPr rtlCol="0" anchor="ctr"/>
+          <a:lstStyle/>
+          <a:p>
+            <a:pPr algn="ctr"/>
+            <a:endParaRPr lang="en-US"/>
+          </a:p>
+        </p:txBody>
+      </p:sp>
+      <p:sp>
+        <p:nvSpPr>
+          <p:cNvPr id="8" name="Rounded Rectangle 7">
+            <a:extLst>
+              <a:ext uri="{FF2B5EF4-FFF2-40B4-BE49-F238E27FC236}">
+                <a16:creationId xmlns:a16="http://schemas.microsoft.com/office/drawing/2014/main" id="{1142AC28-95A9-4057-EB07-0E90008C751C}"/>
+              </a:ext>
+            </a:extLst>
+          </p:cNvPr>
+          <p:cNvSpPr/>
           <p:nvPr/>
-        </p:nvPicPr>
-        <p:blipFill>
-          <a:blip r:embed="rId5"/>
-          <a:stretch>
-            <a:fillRect/>
-          </a:stretch>
-        </p:blipFill>
-        <p:spPr>
-          <a:xfrm>
-            <a:off x="143242" y="3083858"/>
-            <a:ext cx="4975513" cy="3670660"/>
-          </a:xfrm>
-          <a:prstGeom prst="rect">
+        </p:nvSpPr>
+        <p:spPr>
+          <a:xfrm>
+            <a:off x="838200" y="4587591"/>
+            <a:ext cx="8080107" cy="327660"/>
+          </a:xfrm>
+          <a:prstGeom prst="roundRect">
             <a:avLst/>
           </a:prstGeom>
-        </p:spPr>
-      </p:pic>
+          <a:solidFill>
+            <a:srgbClr val="FF0000">
+              <a:alpha val="26000"/>
+            </a:srgbClr>
+          </a:solidFill>
+          <a:ln>
+            <a:noFill/>
+          </a:ln>
+        </p:spPr>
+        <p:style>
+          <a:lnRef idx="2">
+            <a:schemeClr val="accent1">
+              <a:shade val="15000"/>
+            </a:schemeClr>
+          </a:lnRef>
+          <a:fillRef idx="1">
+            <a:schemeClr val="accent1"/>
+          </a:fillRef>
+          <a:effectRef idx="0">
+            <a:schemeClr val="accent1"/>
+          </a:effectRef>
+          <a:fontRef idx="minor">
+            <a:schemeClr val="lt1"/>
+          </a:fontRef>
+        </p:style>
+        <p:txBody>
+          <a:bodyPr rtlCol="0" anchor="ctr"/>
+          <a:lstStyle/>
+          <a:p>
+            <a:pPr algn="ctr"/>
+            <a:endParaRPr lang="en-US"/>
+          </a:p>
+        </p:txBody>
+      </p:sp>
     </p:spTree>
     <p:extLst>
       <p:ext uri="{BB962C8B-B14F-4D97-AF65-F5344CB8AC3E}">
-        <p14:creationId xmlns:p14="http://schemas.microsoft.com/office/powerpoint/2010/main" val="1585107658"/>
+        <p14:creationId xmlns:p14="http://schemas.microsoft.com/office/powerpoint/2010/main" val="2368149770"/>
       </p:ext>
     </p:extLst>
   </p:cSld>
@@ -6761,6 +7066,476 @@
           <p:cNvPr id="2" name="Title 1">
             <a:extLst>
               <a:ext uri="{FF2B5EF4-FFF2-40B4-BE49-F238E27FC236}">
+                <a16:creationId xmlns:a16="http://schemas.microsoft.com/office/drawing/2014/main" id="{40D412CF-33B3-B73E-B3D9-67885A2F9C63}"/>
+              </a:ext>
+            </a:extLst>
+          </p:cNvPr>
+          <p:cNvSpPr>
+            <a:spLocks noGrp="1"/>
+          </p:cNvSpPr>
+          <p:nvPr>
+            <p:ph type="title"/>
+          </p:nvPr>
+        </p:nvSpPr>
+        <p:spPr>
+          <a:xfrm>
+            <a:off x="112336" y="136525"/>
+            <a:ext cx="10515600" cy="558702"/>
+          </a:xfrm>
+        </p:spPr>
+        <p:txBody>
+          <a:bodyPr>
+            <a:normAutofit fontScale="90000"/>
+          </a:bodyPr>
+          <a:lstStyle/>
+          <a:p>
+            <a:r>
+              <a:rPr lang="en-US" dirty="0"/>
+              <a:t>Theoretical Tangent </a:t>
+            </a:r>
+          </a:p>
+        </p:txBody>
+      </p:sp>
+      <p:sp>
+        <p:nvSpPr>
+          <p:cNvPr id="4" name="Slide Number Placeholder 3">
+            <a:extLst>
+              <a:ext uri="{FF2B5EF4-FFF2-40B4-BE49-F238E27FC236}">
+                <a16:creationId xmlns:a16="http://schemas.microsoft.com/office/drawing/2014/main" id="{4C104560-BA4C-2284-590D-1C40FF79DE4A}"/>
+              </a:ext>
+            </a:extLst>
+          </p:cNvPr>
+          <p:cNvSpPr>
+            <a:spLocks noGrp="1"/>
+          </p:cNvSpPr>
+          <p:nvPr>
+            <p:ph type="sldNum" sz="quarter" idx="12"/>
+          </p:nvPr>
+        </p:nvSpPr>
+        <p:spPr/>
+        <p:txBody>
+          <a:bodyPr/>
+          <a:lstStyle/>
+          <a:p>
+            <a:fld id="{C24A80E4-449E-374F-B36C-723503BC9C61}" type="slidenum">
+              <a:rPr lang="en-US" smtClean="0"/>
+              <a:t>15</a:t>
+            </a:fld>
+            <a:endParaRPr lang="en-US"/>
+          </a:p>
+        </p:txBody>
+      </p:sp>
+      <p:sp>
+        <p:nvSpPr>
+          <p:cNvPr id="5" name="TextBox 4">
+            <a:extLst>
+              <a:ext uri="{FF2B5EF4-FFF2-40B4-BE49-F238E27FC236}">
+                <a16:creationId xmlns:a16="http://schemas.microsoft.com/office/drawing/2014/main" id="{AE144F32-C3AA-F929-7B00-4B8E498D10E4}"/>
+              </a:ext>
+            </a:extLst>
+          </p:cNvPr>
+          <p:cNvSpPr txBox="1"/>
+          <p:nvPr/>
+        </p:nvSpPr>
+        <p:spPr>
+          <a:xfrm>
+            <a:off x="2568019" y="6110129"/>
+            <a:ext cx="6042581" cy="246221"/>
+          </a:xfrm>
+          <a:prstGeom prst="rect">
+            <a:avLst/>
+          </a:prstGeom>
+          <a:noFill/>
+        </p:spPr>
+        <p:txBody>
+          <a:bodyPr wrap="square" rtlCol="0">
+            <a:spAutoFit/>
+          </a:bodyPr>
+          <a:lstStyle/>
+          <a:p>
+            <a:r>
+              <a:rPr lang="en-US" sz="1000" dirty="0"/>
+              <a:t>Source: Gilles </a:t>
+            </a:r>
+            <a:r>
+              <a:rPr lang="en-US" sz="1000" dirty="0" err="1"/>
+              <a:t>Louppe</a:t>
+            </a:r>
+            <a:r>
+              <a:rPr lang="en-US" sz="1000" dirty="0"/>
+              <a:t> et al (2013), </a:t>
+            </a:r>
+            <a:r>
+              <a:rPr lang="en-US" sz="1000" dirty="0">
+                <a:hlinkClick r:id="rId2"/>
+              </a:rPr>
+              <a:t>Understanding variable importances in forest of randomized trees </a:t>
+            </a:r>
+            <a:r>
+              <a:rPr lang="en-US" sz="1000" dirty="0"/>
+              <a:t>, NIPS</a:t>
+            </a:r>
+          </a:p>
+        </p:txBody>
+      </p:sp>
+      <p:pic>
+        <p:nvPicPr>
+          <p:cNvPr id="6" name="Picture 5">
+            <a:extLst>
+              <a:ext uri="{FF2B5EF4-FFF2-40B4-BE49-F238E27FC236}">
+                <a16:creationId xmlns:a16="http://schemas.microsoft.com/office/drawing/2014/main" id="{2BE6A745-6061-6D36-2623-439975860F73}"/>
+              </a:ext>
+            </a:extLst>
+          </p:cNvPr>
+          <p:cNvPicPr>
+            <a:picLocks noChangeAspect="1"/>
+          </p:cNvPicPr>
+          <p:nvPr/>
+        </p:nvPicPr>
+        <p:blipFill>
+          <a:blip r:embed="rId3"/>
+          <a:stretch>
+            <a:fillRect/>
+          </a:stretch>
+        </p:blipFill>
+        <p:spPr>
+          <a:xfrm>
+            <a:off x="6546130" y="863602"/>
+            <a:ext cx="5209095" cy="4512721"/>
+          </a:xfrm>
+          <a:prstGeom prst="rect">
+            <a:avLst/>
+          </a:prstGeom>
+        </p:spPr>
+      </p:pic>
+      <p:pic>
+        <p:nvPicPr>
+          <p:cNvPr id="7" name="Picture 6">
+            <a:extLst>
+              <a:ext uri="{FF2B5EF4-FFF2-40B4-BE49-F238E27FC236}">
+                <a16:creationId xmlns:a16="http://schemas.microsoft.com/office/drawing/2014/main" id="{2709C980-8ACD-262B-DCE2-C1DC80A5C7D8}"/>
+              </a:ext>
+            </a:extLst>
+          </p:cNvPr>
+          <p:cNvPicPr>
+            <a:picLocks noChangeAspect="1"/>
+          </p:cNvPicPr>
+          <p:nvPr/>
+        </p:nvPicPr>
+        <p:blipFill>
+          <a:blip r:embed="rId4"/>
+          <a:stretch>
+            <a:fillRect/>
+          </a:stretch>
+        </p:blipFill>
+        <p:spPr>
+          <a:xfrm>
+            <a:off x="196392" y="2864266"/>
+            <a:ext cx="6189482" cy="1129467"/>
+          </a:xfrm>
+          <a:prstGeom prst="rect">
+            <a:avLst/>
+          </a:prstGeom>
+        </p:spPr>
+      </p:pic>
+      <p:sp>
+        <p:nvSpPr>
+          <p:cNvPr id="8" name="Rounded Rectangle 7">
+            <a:extLst>
+              <a:ext uri="{FF2B5EF4-FFF2-40B4-BE49-F238E27FC236}">
+                <a16:creationId xmlns:a16="http://schemas.microsoft.com/office/drawing/2014/main" id="{C7D15A91-533E-0826-1EB3-1AFE2601825C}"/>
+              </a:ext>
+            </a:extLst>
+          </p:cNvPr>
+          <p:cNvSpPr/>
+          <p:nvPr/>
+        </p:nvSpPr>
+        <p:spPr>
+          <a:xfrm>
+            <a:off x="1875934" y="3327662"/>
+            <a:ext cx="2601798" cy="666071"/>
+          </a:xfrm>
+          <a:prstGeom prst="roundRect">
+            <a:avLst/>
+          </a:prstGeom>
+          <a:solidFill>
+            <a:schemeClr val="accent2">
+              <a:alpha val="19719"/>
+            </a:schemeClr>
+          </a:solidFill>
+          <a:ln>
+            <a:noFill/>
+          </a:ln>
+        </p:spPr>
+        <p:style>
+          <a:lnRef idx="2">
+            <a:schemeClr val="accent1">
+              <a:shade val="15000"/>
+            </a:schemeClr>
+          </a:lnRef>
+          <a:fillRef idx="1">
+            <a:schemeClr val="accent1"/>
+          </a:fillRef>
+          <a:effectRef idx="0">
+            <a:schemeClr val="accent1"/>
+          </a:effectRef>
+          <a:fontRef idx="minor">
+            <a:schemeClr val="lt1"/>
+          </a:fontRef>
+        </p:style>
+        <p:txBody>
+          <a:bodyPr rtlCol="0" anchor="ctr"/>
+          <a:lstStyle/>
+          <a:p>
+            <a:pPr algn="ctr"/>
+            <a:endParaRPr lang="en-US"/>
+          </a:p>
+        </p:txBody>
+      </p:sp>
+    </p:spTree>
+    <p:extLst>
+      <p:ext uri="{BB962C8B-B14F-4D97-AF65-F5344CB8AC3E}">
+        <p14:creationId xmlns:p14="http://schemas.microsoft.com/office/powerpoint/2010/main" val="1088956860"/>
+      </p:ext>
+    </p:extLst>
+  </p:cSld>
+  <p:clrMapOvr>
+    <a:masterClrMapping/>
+  </p:clrMapOvr>
+</p:sld>
+</file>
+
+<file path=ppt/slides/slide16.xml><?xml version="1.0" encoding="utf-8"?>
+<p:sld xmlns:a="http://schemas.openxmlformats.org/drawingml/2006/main" xmlns:r="http://schemas.openxmlformats.org/officeDocument/2006/relationships" xmlns:p="http://schemas.openxmlformats.org/presentationml/2006/main">
+  <p:cSld>
+    <p:spTree>
+      <p:nvGrpSpPr>
+        <p:cNvPr id="1" name=""/>
+        <p:cNvGrpSpPr/>
+        <p:nvPr/>
+      </p:nvGrpSpPr>
+      <p:grpSpPr>
+        <a:xfrm>
+          <a:off x="0" y="0"/>
+          <a:ext cx="0" cy="0"/>
+          <a:chOff x="0" y="0"/>
+          <a:chExt cx="0" cy="0"/>
+        </a:xfrm>
+      </p:grpSpPr>
+      <p:sp>
+        <p:nvSpPr>
+          <p:cNvPr id="2" name="Title 1">
+            <a:extLst>
+              <a:ext uri="{FF2B5EF4-FFF2-40B4-BE49-F238E27FC236}">
+                <a16:creationId xmlns:a16="http://schemas.microsoft.com/office/drawing/2014/main" id="{4D8D7113-1EAD-76EA-41B6-59ABEBC3B729}"/>
+              </a:ext>
+            </a:extLst>
+          </p:cNvPr>
+          <p:cNvSpPr>
+            <a:spLocks noGrp="1"/>
+          </p:cNvSpPr>
+          <p:nvPr>
+            <p:ph type="title"/>
+          </p:nvPr>
+        </p:nvSpPr>
+        <p:spPr>
+          <a:xfrm>
+            <a:off x="0" y="103482"/>
+            <a:ext cx="10515600" cy="577555"/>
+          </a:xfrm>
+        </p:spPr>
+        <p:txBody>
+          <a:bodyPr>
+            <a:normAutofit fontScale="90000"/>
+          </a:bodyPr>
+          <a:lstStyle/>
+          <a:p>
+            <a:r>
+              <a:rPr lang="en-US" dirty="0"/>
+              <a:t>Example revisited</a:t>
+            </a:r>
+          </a:p>
+        </p:txBody>
+      </p:sp>
+      <p:sp>
+        <p:nvSpPr>
+          <p:cNvPr id="3" name="Content Placeholder 2">
+            <a:extLst>
+              <a:ext uri="{FF2B5EF4-FFF2-40B4-BE49-F238E27FC236}">
+                <a16:creationId xmlns:a16="http://schemas.microsoft.com/office/drawing/2014/main" id="{7549CF84-5B60-3625-A5E3-AE5D6193CF48}"/>
+              </a:ext>
+            </a:extLst>
+          </p:cNvPr>
+          <p:cNvSpPr>
+            <a:spLocks noGrp="1"/>
+          </p:cNvSpPr>
+          <p:nvPr>
+            <p:ph idx="1"/>
+          </p:nvPr>
+        </p:nvSpPr>
+        <p:spPr/>
+        <p:txBody>
+          <a:bodyPr/>
+          <a:lstStyle/>
+          <a:p>
+            <a:endParaRPr lang="en-US"/>
+          </a:p>
+        </p:txBody>
+      </p:sp>
+      <p:sp>
+        <p:nvSpPr>
+          <p:cNvPr id="4" name="Slide Number Placeholder 3">
+            <a:extLst>
+              <a:ext uri="{FF2B5EF4-FFF2-40B4-BE49-F238E27FC236}">
+                <a16:creationId xmlns:a16="http://schemas.microsoft.com/office/drawing/2014/main" id="{8C0C479C-EA79-92B8-DBA5-5483FDF02235}"/>
+              </a:ext>
+            </a:extLst>
+          </p:cNvPr>
+          <p:cNvSpPr>
+            <a:spLocks noGrp="1"/>
+          </p:cNvSpPr>
+          <p:nvPr>
+            <p:ph type="sldNum" sz="quarter" idx="12"/>
+          </p:nvPr>
+        </p:nvSpPr>
+        <p:spPr/>
+        <p:txBody>
+          <a:bodyPr/>
+          <a:lstStyle/>
+          <a:p>
+            <a:fld id="{C24A80E4-449E-374F-B36C-723503BC9C61}" type="slidenum">
+              <a:rPr lang="en-US" smtClean="0"/>
+              <a:t>16</a:t>
+            </a:fld>
+            <a:endParaRPr lang="en-US"/>
+          </a:p>
+        </p:txBody>
+      </p:sp>
+      <p:pic>
+        <p:nvPicPr>
+          <p:cNvPr id="5" name="Picture 4">
+            <a:extLst>
+              <a:ext uri="{FF2B5EF4-FFF2-40B4-BE49-F238E27FC236}">
+                <a16:creationId xmlns:a16="http://schemas.microsoft.com/office/drawing/2014/main" id="{71385181-A865-BB0F-C8DA-90648BA91F31}"/>
+              </a:ext>
+            </a:extLst>
+          </p:cNvPr>
+          <p:cNvPicPr>
+            <a:picLocks noChangeAspect="1"/>
+          </p:cNvPicPr>
+          <p:nvPr/>
+        </p:nvPicPr>
+        <p:blipFill>
+          <a:blip r:embed="rId3"/>
+          <a:stretch>
+            <a:fillRect/>
+          </a:stretch>
+        </p:blipFill>
+        <p:spPr>
+          <a:xfrm>
+            <a:off x="5118755" y="1903847"/>
+            <a:ext cx="6737913" cy="1821616"/>
+          </a:xfrm>
+          <a:prstGeom prst="rect">
+            <a:avLst/>
+          </a:prstGeom>
+        </p:spPr>
+      </p:pic>
+      <p:pic>
+        <p:nvPicPr>
+          <p:cNvPr id="6" name="Picture 5">
+            <a:extLst>
+              <a:ext uri="{FF2B5EF4-FFF2-40B4-BE49-F238E27FC236}">
+                <a16:creationId xmlns:a16="http://schemas.microsoft.com/office/drawing/2014/main" id="{B42B4C81-2898-AE35-3A1A-D6963C85A061}"/>
+              </a:ext>
+            </a:extLst>
+          </p:cNvPr>
+          <p:cNvPicPr>
+            <a:picLocks noChangeAspect="1"/>
+          </p:cNvPicPr>
+          <p:nvPr/>
+        </p:nvPicPr>
+        <p:blipFill>
+          <a:blip r:embed="rId4"/>
+          <a:stretch>
+            <a:fillRect/>
+          </a:stretch>
+        </p:blipFill>
+        <p:spPr>
+          <a:xfrm>
+            <a:off x="5203596" y="87425"/>
+            <a:ext cx="6653072" cy="1800365"/>
+          </a:xfrm>
+          <a:prstGeom prst="rect">
+            <a:avLst/>
+          </a:prstGeom>
+        </p:spPr>
+      </p:pic>
+      <p:pic>
+        <p:nvPicPr>
+          <p:cNvPr id="7" name="Picture 6">
+            <a:extLst>
+              <a:ext uri="{FF2B5EF4-FFF2-40B4-BE49-F238E27FC236}">
+                <a16:creationId xmlns:a16="http://schemas.microsoft.com/office/drawing/2014/main" id="{3A961813-436D-FA89-9EC6-2BCD3F04AF9E}"/>
+              </a:ext>
+            </a:extLst>
+          </p:cNvPr>
+          <p:cNvPicPr>
+            <a:picLocks noChangeAspect="1"/>
+          </p:cNvPicPr>
+          <p:nvPr/>
+        </p:nvPicPr>
+        <p:blipFill>
+          <a:blip r:embed="rId5"/>
+          <a:stretch>
+            <a:fillRect/>
+          </a:stretch>
+        </p:blipFill>
+        <p:spPr>
+          <a:xfrm>
+            <a:off x="143242" y="3083858"/>
+            <a:ext cx="4975513" cy="3670660"/>
+          </a:xfrm>
+          <a:prstGeom prst="rect">
+            <a:avLst/>
+          </a:prstGeom>
+        </p:spPr>
+      </p:pic>
+    </p:spTree>
+    <p:extLst>
+      <p:ext uri="{BB962C8B-B14F-4D97-AF65-F5344CB8AC3E}">
+        <p14:creationId xmlns:p14="http://schemas.microsoft.com/office/powerpoint/2010/main" val="1585107658"/>
+      </p:ext>
+    </p:extLst>
+  </p:cSld>
+  <p:clrMapOvr>
+    <a:masterClrMapping/>
+  </p:clrMapOvr>
+</p:sld>
+</file>
+
+<file path=ppt/slides/slide17.xml><?xml version="1.0" encoding="utf-8"?>
+<p:sld xmlns:a="http://schemas.openxmlformats.org/drawingml/2006/main" xmlns:r="http://schemas.openxmlformats.org/officeDocument/2006/relationships" xmlns:p="http://schemas.openxmlformats.org/presentationml/2006/main">
+  <p:cSld>
+    <p:spTree>
+      <p:nvGrpSpPr>
+        <p:cNvPr id="1" name=""/>
+        <p:cNvGrpSpPr/>
+        <p:nvPr/>
+      </p:nvGrpSpPr>
+      <p:grpSpPr>
+        <a:xfrm>
+          <a:off x="0" y="0"/>
+          <a:ext cx="0" cy="0"/>
+          <a:chOff x="0" y="0"/>
+          <a:chExt cx="0" cy="0"/>
+        </a:xfrm>
+      </p:grpSpPr>
+      <p:sp>
+        <p:nvSpPr>
+          <p:cNvPr id="2" name="Title 1">
+            <a:extLst>
+              <a:ext uri="{FF2B5EF4-FFF2-40B4-BE49-F238E27FC236}">
                 <a16:creationId xmlns:a16="http://schemas.microsoft.com/office/drawing/2014/main" id="{110775F3-1122-4B5A-C82D-343176A37EDF}"/>
               </a:ext>
             </a:extLst>
@@ -6814,7 +7589,7 @@
           <a:p>
             <a:fld id="{C24A80E4-449E-374F-B36C-723503BC9C61}" type="slidenum">
               <a:rPr lang="en-US" smtClean="0"/>
-              <a:t>15</a:t>
+              <a:t>17</a:t>
             </a:fld>
             <a:endParaRPr lang="en-US"/>
           </a:p>
@@ -8440,425 +9215,64 @@
           </a:fontRef>
         </p:style>
       </p:cxnSp>
+      <p:sp>
+        <p:nvSpPr>
+          <p:cNvPr id="30" name="Rounded Rectangle 29">
+            <a:extLst>
+              <a:ext uri="{FF2B5EF4-FFF2-40B4-BE49-F238E27FC236}">
+                <a16:creationId xmlns:a16="http://schemas.microsoft.com/office/drawing/2014/main" id="{A682D34B-8E07-F3B6-9F61-E7FD835AB96B}"/>
+              </a:ext>
+            </a:extLst>
+          </p:cNvPr>
+          <p:cNvSpPr/>
+          <p:nvPr/>
+        </p:nvSpPr>
+        <p:spPr>
+          <a:xfrm>
+            <a:off x="931682" y="4808589"/>
+            <a:ext cx="4526438" cy="1036030"/>
+          </a:xfrm>
+          <a:prstGeom prst="roundRect">
+            <a:avLst/>
+          </a:prstGeom>
+          <a:solidFill>
+            <a:schemeClr val="accent2">
+              <a:alpha val="30632"/>
+            </a:schemeClr>
+          </a:solidFill>
+          <a:ln>
+            <a:noFill/>
+          </a:ln>
+        </p:spPr>
+        <p:style>
+          <a:lnRef idx="2">
+            <a:schemeClr val="accent1">
+              <a:shade val="15000"/>
+            </a:schemeClr>
+          </a:lnRef>
+          <a:fillRef idx="1">
+            <a:schemeClr val="accent1"/>
+          </a:fillRef>
+          <a:effectRef idx="0">
+            <a:schemeClr val="accent1"/>
+          </a:effectRef>
+          <a:fontRef idx="minor">
+            <a:schemeClr val="lt1"/>
+          </a:fontRef>
+        </p:style>
+        <p:txBody>
+          <a:bodyPr rtlCol="0" anchor="ctr"/>
+          <a:lstStyle/>
+          <a:p>
+            <a:pPr algn="ctr"/>
+            <a:endParaRPr lang="en-US" dirty="0"/>
+          </a:p>
+        </p:txBody>
+      </p:sp>
     </p:spTree>
     <p:extLst>
       <p:ext uri="{BB962C8B-B14F-4D97-AF65-F5344CB8AC3E}">
         <p14:creationId xmlns:p14="http://schemas.microsoft.com/office/powerpoint/2010/main" val="3402527873"/>
-      </p:ext>
-    </p:extLst>
-  </p:cSld>
-  <p:clrMapOvr>
-    <a:masterClrMapping/>
-  </p:clrMapOvr>
-</p:sld>
-</file>
-
-<file path=ppt/slides/slide16.xml><?xml version="1.0" encoding="utf-8"?>
-<p:sld xmlns:a="http://schemas.openxmlformats.org/drawingml/2006/main" xmlns:r="http://schemas.openxmlformats.org/officeDocument/2006/relationships" xmlns:p="http://schemas.openxmlformats.org/presentationml/2006/main">
-  <p:cSld>
-    <p:spTree>
-      <p:nvGrpSpPr>
-        <p:cNvPr id="1" name=""/>
-        <p:cNvGrpSpPr/>
-        <p:nvPr/>
-      </p:nvGrpSpPr>
-      <p:grpSpPr>
-        <a:xfrm>
-          <a:off x="0" y="0"/>
-          <a:ext cx="0" cy="0"/>
-          <a:chOff x="0" y="0"/>
-          <a:chExt cx="0" cy="0"/>
-        </a:xfrm>
-      </p:grpSpPr>
-      <p:sp>
-        <p:nvSpPr>
-          <p:cNvPr id="2" name="Title 1">
-            <a:extLst>
-              <a:ext uri="{FF2B5EF4-FFF2-40B4-BE49-F238E27FC236}">
-                <a16:creationId xmlns:a16="http://schemas.microsoft.com/office/drawing/2014/main" id="{284E5446-518E-BE89-DFAB-709A6FA8A0DA}"/>
-              </a:ext>
-            </a:extLst>
-          </p:cNvPr>
-          <p:cNvSpPr>
-            <a:spLocks noGrp="1"/>
-          </p:cNvSpPr>
-          <p:nvPr>
-            <p:ph type="title"/>
-          </p:nvPr>
-        </p:nvSpPr>
-        <p:spPr>
-          <a:xfrm>
-            <a:off x="0" y="0"/>
-            <a:ext cx="10515600" cy="407873"/>
-          </a:xfrm>
-        </p:spPr>
-        <p:txBody>
-          <a:bodyPr>
-            <a:normAutofit fontScale="90000"/>
-          </a:bodyPr>
-          <a:lstStyle/>
-          <a:p>
-            <a:r>
-              <a:rPr lang="en-US" sz="2800" dirty="0"/>
-              <a:t>Alternative performance metrics for the MDA</a:t>
-            </a:r>
-          </a:p>
-        </p:txBody>
-      </p:sp>
-      <p:sp>
-        <p:nvSpPr>
-          <p:cNvPr id="3" name="Content Placeholder 2">
-            <a:extLst>
-              <a:ext uri="{FF2B5EF4-FFF2-40B4-BE49-F238E27FC236}">
-                <a16:creationId xmlns:a16="http://schemas.microsoft.com/office/drawing/2014/main" id="{D29505B0-EF0D-88DB-C8D5-5D364DBEB014}"/>
-              </a:ext>
-            </a:extLst>
-          </p:cNvPr>
-          <p:cNvSpPr>
-            <a:spLocks noGrp="1"/>
-          </p:cNvSpPr>
-          <p:nvPr>
-            <p:ph idx="1"/>
-          </p:nvPr>
-        </p:nvSpPr>
-        <p:spPr>
-          <a:xfrm>
-            <a:off x="8002571" y="3087739"/>
-            <a:ext cx="3492632" cy="833812"/>
-          </a:xfrm>
-        </p:spPr>
-        <p:style>
-          <a:lnRef idx="2">
-            <a:schemeClr val="dk1"/>
-          </a:lnRef>
-          <a:fillRef idx="1">
-            <a:schemeClr val="lt1"/>
-          </a:fillRef>
-          <a:effectRef idx="0">
-            <a:schemeClr val="dk1"/>
-          </a:effectRef>
-          <a:fontRef idx="minor">
-            <a:schemeClr val="dk1"/>
-          </a:fontRef>
-        </p:style>
-        <p:txBody>
-          <a:bodyPr>
-            <a:normAutofit/>
-          </a:bodyPr>
-          <a:lstStyle/>
-          <a:p>
-            <a:pPr marL="0" indent="0" algn="ctr">
-              <a:buNone/>
-            </a:pPr>
-            <a:r>
-              <a:rPr lang="en-US" sz="1600" dirty="0"/>
-              <a:t>Area under ROC or precision/recall curves are more robust for severely imbalanced classification problems.</a:t>
-            </a:r>
-          </a:p>
-        </p:txBody>
-      </p:sp>
-      <p:sp>
-        <p:nvSpPr>
-          <p:cNvPr id="4" name="Slide Number Placeholder 3">
-            <a:extLst>
-              <a:ext uri="{FF2B5EF4-FFF2-40B4-BE49-F238E27FC236}">
-                <a16:creationId xmlns:a16="http://schemas.microsoft.com/office/drawing/2014/main" id="{24400704-9FF3-9FE6-AEB1-E444DE6DC732}"/>
-              </a:ext>
-            </a:extLst>
-          </p:cNvPr>
-          <p:cNvSpPr>
-            <a:spLocks noGrp="1"/>
-          </p:cNvSpPr>
-          <p:nvPr>
-            <p:ph type="sldNum" sz="quarter" idx="12"/>
-          </p:nvPr>
-        </p:nvSpPr>
-        <p:spPr/>
-        <p:txBody>
-          <a:bodyPr/>
-          <a:lstStyle/>
-          <a:p>
-            <a:fld id="{C24A80E4-449E-374F-B36C-723503BC9C61}" type="slidenum">
-              <a:rPr lang="en-US" smtClean="0"/>
-              <a:t>16</a:t>
-            </a:fld>
-            <a:endParaRPr lang="en-US"/>
-          </a:p>
-        </p:txBody>
-      </p:sp>
-      <p:pic>
-        <p:nvPicPr>
-          <p:cNvPr id="5" name="Picture 4">
-            <a:extLst>
-              <a:ext uri="{FF2B5EF4-FFF2-40B4-BE49-F238E27FC236}">
-                <a16:creationId xmlns:a16="http://schemas.microsoft.com/office/drawing/2014/main" id="{38316322-E23B-D48F-ACF8-ED2D7B86267C}"/>
-              </a:ext>
-            </a:extLst>
-          </p:cNvPr>
-          <p:cNvPicPr>
-            <a:picLocks noChangeAspect="1"/>
-          </p:cNvPicPr>
-          <p:nvPr/>
-        </p:nvPicPr>
-        <p:blipFill>
-          <a:blip r:embed="rId2"/>
-          <a:stretch>
-            <a:fillRect/>
-          </a:stretch>
-        </p:blipFill>
-        <p:spPr>
-          <a:xfrm>
-            <a:off x="88768" y="524108"/>
-            <a:ext cx="7772400" cy="6333892"/>
-          </a:xfrm>
-          <a:prstGeom prst="rect">
-            <a:avLst/>
-          </a:prstGeom>
-        </p:spPr>
-      </p:pic>
-    </p:spTree>
-    <p:extLst>
-      <p:ext uri="{BB962C8B-B14F-4D97-AF65-F5344CB8AC3E}">
-        <p14:creationId xmlns:p14="http://schemas.microsoft.com/office/powerpoint/2010/main" val="4093725727"/>
-      </p:ext>
-    </p:extLst>
-  </p:cSld>
-  <p:clrMapOvr>
-    <a:masterClrMapping/>
-  </p:clrMapOvr>
-</p:sld>
-</file>
-
-<file path=ppt/slides/slide17.xml><?xml version="1.0" encoding="utf-8"?>
-<p:sld xmlns:a="http://schemas.openxmlformats.org/drawingml/2006/main" xmlns:r="http://schemas.openxmlformats.org/officeDocument/2006/relationships" xmlns:p="http://schemas.openxmlformats.org/presentationml/2006/main">
-  <p:cSld>
-    <p:spTree>
-      <p:nvGrpSpPr>
-        <p:cNvPr id="1" name=""/>
-        <p:cNvGrpSpPr/>
-        <p:nvPr/>
-      </p:nvGrpSpPr>
-      <p:grpSpPr>
-        <a:xfrm>
-          <a:off x="0" y="0"/>
-          <a:ext cx="0" cy="0"/>
-          <a:chOff x="0" y="0"/>
-          <a:chExt cx="0" cy="0"/>
-        </a:xfrm>
-      </p:grpSpPr>
-      <p:sp>
-        <p:nvSpPr>
-          <p:cNvPr id="2" name="Title 1">
-            <a:extLst>
-              <a:ext uri="{FF2B5EF4-FFF2-40B4-BE49-F238E27FC236}">
-                <a16:creationId xmlns:a16="http://schemas.microsoft.com/office/drawing/2014/main" id="{4D8D7113-1EAD-76EA-41B6-59ABEBC3B729}"/>
-              </a:ext>
-            </a:extLst>
-          </p:cNvPr>
-          <p:cNvSpPr>
-            <a:spLocks noGrp="1"/>
-          </p:cNvSpPr>
-          <p:nvPr>
-            <p:ph type="title"/>
-          </p:nvPr>
-        </p:nvSpPr>
-        <p:spPr>
-          <a:xfrm>
-            <a:off x="0" y="103482"/>
-            <a:ext cx="10515600" cy="577555"/>
-          </a:xfrm>
-        </p:spPr>
-        <p:txBody>
-          <a:bodyPr>
-            <a:normAutofit fontScale="90000"/>
-          </a:bodyPr>
-          <a:lstStyle/>
-          <a:p>
-            <a:r>
-              <a:rPr lang="en-US" dirty="0"/>
-              <a:t>Example revisited</a:t>
-            </a:r>
-          </a:p>
-        </p:txBody>
-      </p:sp>
-      <p:sp>
-        <p:nvSpPr>
-          <p:cNvPr id="3" name="Content Placeholder 2">
-            <a:extLst>
-              <a:ext uri="{FF2B5EF4-FFF2-40B4-BE49-F238E27FC236}">
-                <a16:creationId xmlns:a16="http://schemas.microsoft.com/office/drawing/2014/main" id="{7549CF84-5B60-3625-A5E3-AE5D6193CF48}"/>
-              </a:ext>
-            </a:extLst>
-          </p:cNvPr>
-          <p:cNvSpPr>
-            <a:spLocks noGrp="1"/>
-          </p:cNvSpPr>
-          <p:nvPr>
-            <p:ph idx="1"/>
-          </p:nvPr>
-        </p:nvSpPr>
-        <p:spPr/>
-        <p:txBody>
-          <a:bodyPr/>
-          <a:lstStyle/>
-          <a:p>
-            <a:endParaRPr lang="en-US"/>
-          </a:p>
-        </p:txBody>
-      </p:sp>
-      <p:sp>
-        <p:nvSpPr>
-          <p:cNvPr id="4" name="Slide Number Placeholder 3">
-            <a:extLst>
-              <a:ext uri="{FF2B5EF4-FFF2-40B4-BE49-F238E27FC236}">
-                <a16:creationId xmlns:a16="http://schemas.microsoft.com/office/drawing/2014/main" id="{8C0C479C-EA79-92B8-DBA5-5483FDF02235}"/>
-              </a:ext>
-            </a:extLst>
-          </p:cNvPr>
-          <p:cNvSpPr>
-            <a:spLocks noGrp="1"/>
-          </p:cNvSpPr>
-          <p:nvPr>
-            <p:ph type="sldNum" sz="quarter" idx="12"/>
-          </p:nvPr>
-        </p:nvSpPr>
-        <p:spPr/>
-        <p:txBody>
-          <a:bodyPr/>
-          <a:lstStyle/>
-          <a:p>
-            <a:fld id="{C24A80E4-449E-374F-B36C-723503BC9C61}" type="slidenum">
-              <a:rPr lang="en-US" smtClean="0"/>
-              <a:t>17</a:t>
-            </a:fld>
-            <a:endParaRPr lang="en-US"/>
-          </a:p>
-        </p:txBody>
-      </p:sp>
-      <p:pic>
-        <p:nvPicPr>
-          <p:cNvPr id="5" name="Picture 4">
-            <a:extLst>
-              <a:ext uri="{FF2B5EF4-FFF2-40B4-BE49-F238E27FC236}">
-                <a16:creationId xmlns:a16="http://schemas.microsoft.com/office/drawing/2014/main" id="{71385181-A865-BB0F-C8DA-90648BA91F31}"/>
-              </a:ext>
-            </a:extLst>
-          </p:cNvPr>
-          <p:cNvPicPr>
-            <a:picLocks noChangeAspect="1"/>
-          </p:cNvPicPr>
-          <p:nvPr/>
-        </p:nvPicPr>
-        <p:blipFill>
-          <a:blip r:embed="rId3"/>
-          <a:stretch>
-            <a:fillRect/>
-          </a:stretch>
-        </p:blipFill>
-        <p:spPr>
-          <a:xfrm>
-            <a:off x="5118755" y="1903847"/>
-            <a:ext cx="6737913" cy="1821616"/>
-          </a:xfrm>
-          <a:prstGeom prst="rect">
-            <a:avLst/>
-          </a:prstGeom>
-        </p:spPr>
-      </p:pic>
-      <p:pic>
-        <p:nvPicPr>
-          <p:cNvPr id="6" name="Picture 5">
-            <a:extLst>
-              <a:ext uri="{FF2B5EF4-FFF2-40B4-BE49-F238E27FC236}">
-                <a16:creationId xmlns:a16="http://schemas.microsoft.com/office/drawing/2014/main" id="{B42B4C81-2898-AE35-3A1A-D6963C85A061}"/>
-              </a:ext>
-            </a:extLst>
-          </p:cNvPr>
-          <p:cNvPicPr>
-            <a:picLocks noChangeAspect="1"/>
-          </p:cNvPicPr>
-          <p:nvPr/>
-        </p:nvPicPr>
-        <p:blipFill>
-          <a:blip r:embed="rId4"/>
-          <a:stretch>
-            <a:fillRect/>
-          </a:stretch>
-        </p:blipFill>
-        <p:spPr>
-          <a:xfrm>
-            <a:off x="5203596" y="87425"/>
-            <a:ext cx="6653072" cy="1800365"/>
-          </a:xfrm>
-          <a:prstGeom prst="rect">
-            <a:avLst/>
-          </a:prstGeom>
-        </p:spPr>
-      </p:pic>
-      <p:pic>
-        <p:nvPicPr>
-          <p:cNvPr id="8" name="Picture 7">
-            <a:extLst>
-              <a:ext uri="{FF2B5EF4-FFF2-40B4-BE49-F238E27FC236}">
-                <a16:creationId xmlns:a16="http://schemas.microsoft.com/office/drawing/2014/main" id="{089CB1F3-57EE-39BD-A4DE-70AE0D6752B9}"/>
-              </a:ext>
-            </a:extLst>
-          </p:cNvPr>
-          <p:cNvPicPr>
-            <a:picLocks noChangeAspect="1"/>
-          </p:cNvPicPr>
-          <p:nvPr/>
-        </p:nvPicPr>
-        <p:blipFill>
-          <a:blip r:embed="rId5"/>
-          <a:stretch>
-            <a:fillRect/>
-          </a:stretch>
-        </p:blipFill>
-        <p:spPr>
-          <a:xfrm>
-            <a:off x="5118755" y="3844591"/>
-            <a:ext cx="6737912" cy="1844223"/>
-          </a:xfrm>
-          <a:prstGeom prst="rect">
-            <a:avLst/>
-          </a:prstGeom>
-        </p:spPr>
-      </p:pic>
-      <p:pic>
-        <p:nvPicPr>
-          <p:cNvPr id="9" name="Picture 8">
-            <a:extLst>
-              <a:ext uri="{FF2B5EF4-FFF2-40B4-BE49-F238E27FC236}">
-                <a16:creationId xmlns:a16="http://schemas.microsoft.com/office/drawing/2014/main" id="{7BD0EF0D-F173-6448-BFFE-8CE391A7434A}"/>
-              </a:ext>
-            </a:extLst>
-          </p:cNvPr>
-          <p:cNvPicPr>
-            <a:picLocks noChangeAspect="1"/>
-          </p:cNvPicPr>
-          <p:nvPr/>
-        </p:nvPicPr>
-        <p:blipFill>
-          <a:blip r:embed="rId6"/>
-          <a:stretch>
-            <a:fillRect/>
-          </a:stretch>
-        </p:blipFill>
-        <p:spPr>
-          <a:xfrm>
-            <a:off x="143654" y="2945322"/>
-            <a:ext cx="4881177" cy="3642759"/>
-          </a:xfrm>
-          <a:prstGeom prst="rect">
-            <a:avLst/>
-          </a:prstGeom>
-        </p:spPr>
-      </p:pic>
-    </p:spTree>
-    <p:extLst>
-      <p:ext uri="{BB962C8B-B14F-4D97-AF65-F5344CB8AC3E}">
-        <p14:creationId xmlns:p14="http://schemas.microsoft.com/office/powerpoint/2010/main" val="3230804097"/>
       </p:ext>
     </p:extLst>
   </p:cSld>
@@ -8887,10 +9301,45 @@
       </p:grpSpPr>
       <p:sp>
         <p:nvSpPr>
+          <p:cNvPr id="2" name="Title 1">
+            <a:extLst>
+              <a:ext uri="{FF2B5EF4-FFF2-40B4-BE49-F238E27FC236}">
+                <a16:creationId xmlns:a16="http://schemas.microsoft.com/office/drawing/2014/main" id="{284E5446-518E-BE89-DFAB-709A6FA8A0DA}"/>
+              </a:ext>
+            </a:extLst>
+          </p:cNvPr>
+          <p:cNvSpPr>
+            <a:spLocks noGrp="1"/>
+          </p:cNvSpPr>
+          <p:nvPr>
+            <p:ph type="title"/>
+          </p:nvPr>
+        </p:nvSpPr>
+        <p:spPr>
+          <a:xfrm>
+            <a:off x="0" y="0"/>
+            <a:ext cx="10515600" cy="407873"/>
+          </a:xfrm>
+        </p:spPr>
+        <p:txBody>
+          <a:bodyPr>
+            <a:normAutofit fontScale="90000"/>
+          </a:bodyPr>
+          <a:lstStyle/>
+          <a:p>
+            <a:r>
+              <a:rPr lang="en-US" sz="2800" dirty="0"/>
+              <a:t>Alternative performance metrics for the MDA</a:t>
+            </a:r>
+          </a:p>
+        </p:txBody>
+      </p:sp>
+      <p:sp>
+        <p:nvSpPr>
           <p:cNvPr id="3" name="Content Placeholder 2">
             <a:extLst>
               <a:ext uri="{FF2B5EF4-FFF2-40B4-BE49-F238E27FC236}">
-                <a16:creationId xmlns:a16="http://schemas.microsoft.com/office/drawing/2014/main" id="{B211E3FF-F5B3-3B98-0766-7BC6C683399A}"/>
+                <a16:creationId xmlns:a16="http://schemas.microsoft.com/office/drawing/2014/main" id="{D29505B0-EF0D-88DB-C8D5-5D364DBEB014}"/>
               </a:ext>
             </a:extLst>
           </p:cNvPr>
@@ -8901,61 +9350,39 @@
             <p:ph idx="1"/>
           </p:nvPr>
         </p:nvSpPr>
-        <p:spPr/>
-        <p:txBody>
-          <a:bodyPr/>
-          <a:lstStyle/>
-          <a:p>
-            <a:r>
-              <a:rPr lang="en-US" dirty="0"/>
-              <a:t>Step (1): </a:t>
-            </a:r>
-          </a:p>
-          <a:p>
-            <a:pPr lvl="1"/>
-            <a:r>
-              <a:rPr lang="en-US" dirty="0"/>
-              <a:t>Clustering Features </a:t>
-            </a:r>
-          </a:p>
-          <a:p>
-            <a:endParaRPr lang="en-US" dirty="0"/>
-          </a:p>
-          <a:p>
-            <a:endParaRPr lang="en-US" dirty="0"/>
-          </a:p>
-          <a:p>
-            <a:endParaRPr lang="en-US" dirty="0"/>
-          </a:p>
-          <a:p>
-            <a:r>
-              <a:rPr lang="en-US" dirty="0"/>
-              <a:t>Step (2):</a:t>
-            </a:r>
-          </a:p>
-          <a:p>
-            <a:pPr lvl="1"/>
-            <a:r>
-              <a:rPr lang="en-US" dirty="0"/>
-              <a:t>Applying MDI/MDA to clustered features</a:t>
-            </a:r>
-          </a:p>
-          <a:p>
-            <a:pPr lvl="2"/>
-            <a:r>
-              <a:rPr lang="en-US" dirty="0"/>
-              <a:t>Clustered MDI: in-sample importance </a:t>
-            </a:r>
-          </a:p>
-          <a:p>
-            <a:pPr lvl="2"/>
-            <a:r>
-              <a:rPr lang="en-US" dirty="0"/>
-              <a:t>Clustered MDA: OOS importance </a:t>
-            </a:r>
-          </a:p>
-          <a:p>
-            <a:endParaRPr lang="en-US" dirty="0"/>
+        <p:spPr>
+          <a:xfrm>
+            <a:off x="8002571" y="3087739"/>
+            <a:ext cx="3492632" cy="833812"/>
+          </a:xfrm>
+        </p:spPr>
+        <p:style>
+          <a:lnRef idx="2">
+            <a:schemeClr val="dk1"/>
+          </a:lnRef>
+          <a:fillRef idx="1">
+            <a:schemeClr val="lt1"/>
+          </a:fillRef>
+          <a:effectRef idx="0">
+            <a:schemeClr val="dk1"/>
+          </a:effectRef>
+          <a:fontRef idx="minor">
+            <a:schemeClr val="dk1"/>
+          </a:fontRef>
+        </p:style>
+        <p:txBody>
+          <a:bodyPr>
+            <a:normAutofit/>
+          </a:bodyPr>
+          <a:lstStyle/>
+          <a:p>
+            <a:pPr marL="0" indent="0" algn="ctr">
+              <a:buNone/>
+            </a:pPr>
+            <a:r>
+              <a:rPr lang="en-US" sz="1600" dirty="0"/>
+              <a:t>Area under ROC or precision/recall curves are more robust for severely imbalanced classification problems.</a:t>
+            </a:r>
           </a:p>
         </p:txBody>
       </p:sp>
@@ -8964,7 +9391,7 @@
           <p:cNvPr id="4" name="Slide Number Placeholder 3">
             <a:extLst>
               <a:ext uri="{FF2B5EF4-FFF2-40B4-BE49-F238E27FC236}">
-                <a16:creationId xmlns:a16="http://schemas.microsoft.com/office/drawing/2014/main" id="{DC0F431D-C517-9302-7B37-8BF929216F49}"/>
+                <a16:creationId xmlns:a16="http://schemas.microsoft.com/office/drawing/2014/main" id="{24400704-9FF3-9FE6-AEB1-E444DE6DC732}"/>
               </a:ext>
             </a:extLst>
           </p:cNvPr>
@@ -8988,58 +9415,140 @@
           </a:p>
         </p:txBody>
       </p:sp>
-      <p:sp>
-        <p:nvSpPr>
-          <p:cNvPr id="5" name="Title 1">
-            <a:extLst>
-              <a:ext uri="{FF2B5EF4-FFF2-40B4-BE49-F238E27FC236}">
-                <a16:creationId xmlns:a16="http://schemas.microsoft.com/office/drawing/2014/main" id="{1DA2063E-F6D2-3B87-F9B4-B2003D2A689D}"/>
-              </a:ext>
-            </a:extLst>
-          </p:cNvPr>
-          <p:cNvSpPr txBox="1">
-            <a:spLocks/>
-          </p:cNvSpPr>
+      <p:pic>
+        <p:nvPicPr>
+          <p:cNvPr id="5" name="Picture 4">
+            <a:extLst>
+              <a:ext uri="{FF2B5EF4-FFF2-40B4-BE49-F238E27FC236}">
+                <a16:creationId xmlns:a16="http://schemas.microsoft.com/office/drawing/2014/main" id="{38316322-E23B-D48F-ACF8-ED2D7B86267C}"/>
+              </a:ext>
+            </a:extLst>
+          </p:cNvPr>
+          <p:cNvPicPr>
+            <a:picLocks noChangeAspect="1"/>
+          </p:cNvPicPr>
           <p:nvPr/>
-        </p:nvSpPr>
-        <p:spPr>
-          <a:xfrm>
-            <a:off x="0" y="0"/>
-            <a:ext cx="10515600" cy="860360"/>
+        </p:nvPicPr>
+        <p:blipFill>
+          <a:blip r:embed="rId3"/>
+          <a:stretch>
+            <a:fillRect/>
+          </a:stretch>
+        </p:blipFill>
+        <p:spPr>
+          <a:xfrm>
+            <a:off x="88768" y="524108"/>
+            <a:ext cx="7772400" cy="6333892"/>
           </a:xfrm>
           <a:prstGeom prst="rect">
             <a:avLst/>
           </a:prstGeom>
         </p:spPr>
-        <p:txBody>
-          <a:bodyPr vert="horz" lIns="91440" tIns="45720" rIns="91440" bIns="45720" rtlCol="0" anchor="ctr">
-            <a:normAutofit/>
-          </a:bodyPr>
-          <a:lstStyle>
-            <a:lvl1pPr algn="l" defTabSz="914400" rtl="0" eaLnBrk="1" latinLnBrk="0" hangingPunct="1">
-              <a:lnSpc>
-                <a:spcPct val="90000"/>
-              </a:lnSpc>
-              <a:spcBef>
-                <a:spcPct val="0"/>
-              </a:spcBef>
-              <a:buNone/>
-              <a:defRPr sz="4400" kern="1200">
-                <a:solidFill>
-                  <a:schemeClr val="tx1"/>
-                </a:solidFill>
-                <a:latin typeface="+mj-lt"/>
-                <a:ea typeface="+mj-ea"/>
-                <a:cs typeface="+mj-cs"/>
-              </a:defRPr>
-            </a:lvl1pPr>
-          </a:lstStyle>
-          <a:p>
-            <a:pPr rtl="1"/>
-            <a:r>
-              <a:rPr lang="en-US"/>
-              <a:t>Solving the substitution effect </a:t>
-            </a:r>
+      </p:pic>
+      <p:sp>
+        <p:nvSpPr>
+          <p:cNvPr id="6" name="Rounded Rectangle 5">
+            <a:extLst>
+              <a:ext uri="{FF2B5EF4-FFF2-40B4-BE49-F238E27FC236}">
+                <a16:creationId xmlns:a16="http://schemas.microsoft.com/office/drawing/2014/main" id="{A125AB2A-E026-935B-1232-D58F3477CEDE}"/>
+              </a:ext>
+            </a:extLst>
+          </p:cNvPr>
+          <p:cNvSpPr/>
+          <p:nvPr/>
+        </p:nvSpPr>
+        <p:spPr>
+          <a:xfrm>
+            <a:off x="2779336" y="1782705"/>
+            <a:ext cx="3121843" cy="903933"/>
+          </a:xfrm>
+          <a:prstGeom prst="roundRect">
+            <a:avLst/>
+          </a:prstGeom>
+          <a:solidFill>
+            <a:schemeClr val="accent2">
+              <a:alpha val="30632"/>
+            </a:schemeClr>
+          </a:solidFill>
+          <a:ln>
+            <a:noFill/>
+          </a:ln>
+        </p:spPr>
+        <p:style>
+          <a:lnRef idx="2">
+            <a:schemeClr val="accent1">
+              <a:shade val="15000"/>
+            </a:schemeClr>
+          </a:lnRef>
+          <a:fillRef idx="1">
+            <a:schemeClr val="accent1"/>
+          </a:fillRef>
+          <a:effectRef idx="0">
+            <a:schemeClr val="accent1"/>
+          </a:effectRef>
+          <a:fontRef idx="minor">
+            <a:schemeClr val="lt1"/>
+          </a:fontRef>
+        </p:style>
+        <p:txBody>
+          <a:bodyPr rtlCol="0" anchor="ctr"/>
+          <a:lstStyle/>
+          <a:p>
+            <a:pPr algn="ctr"/>
+            <a:endParaRPr lang="en-US" dirty="0"/>
+          </a:p>
+        </p:txBody>
+      </p:sp>
+      <p:sp>
+        <p:nvSpPr>
+          <p:cNvPr id="7" name="Rounded Rectangle 6">
+            <a:extLst>
+              <a:ext uri="{FF2B5EF4-FFF2-40B4-BE49-F238E27FC236}">
+                <a16:creationId xmlns:a16="http://schemas.microsoft.com/office/drawing/2014/main" id="{0D913C85-3DC7-256E-06AF-A710264D3601}"/>
+              </a:ext>
+            </a:extLst>
+          </p:cNvPr>
+          <p:cNvSpPr/>
+          <p:nvPr/>
+        </p:nvSpPr>
+        <p:spPr>
+          <a:xfrm>
+            <a:off x="2856322" y="3691054"/>
+            <a:ext cx="3044857" cy="1041202"/>
+          </a:xfrm>
+          <a:prstGeom prst="roundRect">
+            <a:avLst/>
+          </a:prstGeom>
+          <a:solidFill>
+            <a:schemeClr val="accent2">
+              <a:alpha val="30632"/>
+            </a:schemeClr>
+          </a:solidFill>
+          <a:ln>
+            <a:noFill/>
+          </a:ln>
+        </p:spPr>
+        <p:style>
+          <a:lnRef idx="2">
+            <a:schemeClr val="accent1">
+              <a:shade val="15000"/>
+            </a:schemeClr>
+          </a:lnRef>
+          <a:fillRef idx="1">
+            <a:schemeClr val="accent1"/>
+          </a:fillRef>
+          <a:effectRef idx="0">
+            <a:schemeClr val="accent1"/>
+          </a:effectRef>
+          <a:fontRef idx="minor">
+            <a:schemeClr val="lt1"/>
+          </a:fontRef>
+        </p:style>
+        <p:txBody>
+          <a:bodyPr rtlCol="0" anchor="ctr"/>
+          <a:lstStyle/>
+          <a:p>
+            <a:pPr algn="ctr"/>
             <a:endParaRPr lang="en-US" dirty="0"/>
           </a:p>
         </p:txBody>
@@ -9047,7 +9556,7 @@
     </p:spTree>
     <p:extLst>
       <p:ext uri="{BB962C8B-B14F-4D97-AF65-F5344CB8AC3E}">
-        <p14:creationId xmlns:p14="http://schemas.microsoft.com/office/powerpoint/2010/main" val="2702339966"/>
+        <p14:creationId xmlns:p14="http://schemas.microsoft.com/office/powerpoint/2010/main" val="4093725727"/>
       </p:ext>
     </p:extLst>
   </p:cSld>
@@ -9079,7 +9588,7 @@
           <p:cNvPr id="2" name="Title 1">
             <a:extLst>
               <a:ext uri="{FF2B5EF4-FFF2-40B4-BE49-F238E27FC236}">
-                <a16:creationId xmlns:a16="http://schemas.microsoft.com/office/drawing/2014/main" id="{0176CE2F-A19B-C853-BC7B-44CBBED4DD9A}"/>
+                <a16:creationId xmlns:a16="http://schemas.microsoft.com/office/drawing/2014/main" id="{4D8D7113-1EAD-76EA-41B6-59ABEBC3B729}"/>
               </a:ext>
             </a:extLst>
           </p:cNvPr>
@@ -9092,51 +9601,44 @@
         </p:nvSpPr>
         <p:spPr>
           <a:xfrm>
-            <a:off x="0" y="0"/>
-            <a:ext cx="10515600" cy="860360"/>
-          </a:xfrm>
-        </p:spPr>
+            <a:off x="0" y="103482"/>
+            <a:ext cx="10515600" cy="577555"/>
+          </a:xfrm>
+        </p:spPr>
+        <p:txBody>
+          <a:bodyPr>
+            <a:normAutofit fontScale="90000"/>
+          </a:bodyPr>
+          <a:lstStyle/>
+          <a:p>
+            <a:r>
+              <a:rPr lang="en-US" dirty="0"/>
+              <a:t>Example revisited</a:t>
+            </a:r>
+          </a:p>
+        </p:txBody>
+      </p:sp>
+      <p:sp>
+        <p:nvSpPr>
+          <p:cNvPr id="3" name="Content Placeholder 2">
+            <a:extLst>
+              <a:ext uri="{FF2B5EF4-FFF2-40B4-BE49-F238E27FC236}">
+                <a16:creationId xmlns:a16="http://schemas.microsoft.com/office/drawing/2014/main" id="{7549CF84-5B60-3625-A5E3-AE5D6193CF48}"/>
+              </a:ext>
+            </a:extLst>
+          </p:cNvPr>
+          <p:cNvSpPr>
+            <a:spLocks noGrp="1"/>
+          </p:cNvSpPr>
+          <p:nvPr>
+            <p:ph idx="1"/>
+          </p:nvPr>
+        </p:nvSpPr>
+        <p:spPr/>
         <p:txBody>
           <a:bodyPr/>
           <a:lstStyle/>
           <a:p>
-            <a:pPr algn="l" defTabSz="914400" rtl="1" eaLnBrk="1" latinLnBrk="0" hangingPunct="1">
-              <a:lnSpc>
-                <a:spcPct val="90000"/>
-              </a:lnSpc>
-              <a:spcBef>
-                <a:spcPct val="0"/>
-              </a:spcBef>
-              <a:buNone/>
-            </a:pPr>
-            <a:r>
-              <a:rPr lang="en-US" dirty="0"/>
-              <a:t>Solving the substitution effect – Step (1) </a:t>
-            </a:r>
-          </a:p>
-        </p:txBody>
-      </p:sp>
-      <p:sp>
-        <p:nvSpPr>
-          <p:cNvPr id="3" name="Content Placeholder 2">
-            <a:extLst>
-              <a:ext uri="{FF2B5EF4-FFF2-40B4-BE49-F238E27FC236}">
-                <a16:creationId xmlns:a16="http://schemas.microsoft.com/office/drawing/2014/main" id="{E89EAB1A-0BE2-2F0E-1F03-5939FD1AF777}"/>
-              </a:ext>
-            </a:extLst>
-          </p:cNvPr>
-          <p:cNvSpPr>
-            <a:spLocks noGrp="1"/>
-          </p:cNvSpPr>
-          <p:nvPr>
-            <p:ph idx="1"/>
-          </p:nvPr>
-        </p:nvSpPr>
-        <p:spPr/>
-        <p:txBody>
-          <a:bodyPr/>
-          <a:lstStyle/>
-          <a:p>
             <a:endParaRPr lang="en-US"/>
           </a:p>
         </p:txBody>
@@ -9146,7 +9648,7 @@
           <p:cNvPr id="4" name="Slide Number Placeholder 3">
             <a:extLst>
               <a:ext uri="{FF2B5EF4-FFF2-40B4-BE49-F238E27FC236}">
-                <a16:creationId xmlns:a16="http://schemas.microsoft.com/office/drawing/2014/main" id="{B63EA6DB-96D1-7B52-CED9-CA8DAF4C8735}"/>
+                <a16:creationId xmlns:a16="http://schemas.microsoft.com/office/drawing/2014/main" id="{8C0C479C-EA79-92B8-DBA5-5483FDF02235}"/>
               </a:ext>
             </a:extLst>
           </p:cNvPr>
@@ -9172,10 +9674,10 @@
       </p:sp>
       <p:pic>
         <p:nvPicPr>
-          <p:cNvPr id="6" name="Picture 5">
-            <a:extLst>
-              <a:ext uri="{FF2B5EF4-FFF2-40B4-BE49-F238E27FC236}">
-                <a16:creationId xmlns:a16="http://schemas.microsoft.com/office/drawing/2014/main" id="{850F15FA-9E0D-A061-27E1-1790E3887D6B}"/>
+          <p:cNvPr id="5" name="Picture 4">
+            <a:extLst>
+              <a:ext uri="{FF2B5EF4-FFF2-40B4-BE49-F238E27FC236}">
+                <a16:creationId xmlns:a16="http://schemas.microsoft.com/office/drawing/2014/main" id="{71385181-A865-BB0F-C8DA-90648BA91F31}"/>
               </a:ext>
             </a:extLst>
           </p:cNvPr>
@@ -9185,15 +9687,105 @@
           <p:nvPr/>
         </p:nvPicPr>
         <p:blipFill>
-          <a:blip r:embed="rId2"/>
+          <a:blip r:embed="rId3"/>
           <a:stretch>
             <a:fillRect/>
           </a:stretch>
         </p:blipFill>
         <p:spPr>
           <a:xfrm>
-            <a:off x="1549924" y="848052"/>
-            <a:ext cx="8810134" cy="5873423"/>
+            <a:off x="5118755" y="1903847"/>
+            <a:ext cx="6737913" cy="1821616"/>
+          </a:xfrm>
+          <a:prstGeom prst="rect">
+            <a:avLst/>
+          </a:prstGeom>
+        </p:spPr>
+      </p:pic>
+      <p:pic>
+        <p:nvPicPr>
+          <p:cNvPr id="6" name="Picture 5">
+            <a:extLst>
+              <a:ext uri="{FF2B5EF4-FFF2-40B4-BE49-F238E27FC236}">
+                <a16:creationId xmlns:a16="http://schemas.microsoft.com/office/drawing/2014/main" id="{B42B4C81-2898-AE35-3A1A-D6963C85A061}"/>
+              </a:ext>
+            </a:extLst>
+          </p:cNvPr>
+          <p:cNvPicPr>
+            <a:picLocks noChangeAspect="1"/>
+          </p:cNvPicPr>
+          <p:nvPr/>
+        </p:nvPicPr>
+        <p:blipFill>
+          <a:blip r:embed="rId4"/>
+          <a:stretch>
+            <a:fillRect/>
+          </a:stretch>
+        </p:blipFill>
+        <p:spPr>
+          <a:xfrm>
+            <a:off x="5203596" y="87425"/>
+            <a:ext cx="6653072" cy="1800365"/>
+          </a:xfrm>
+          <a:prstGeom prst="rect">
+            <a:avLst/>
+          </a:prstGeom>
+        </p:spPr>
+      </p:pic>
+      <p:pic>
+        <p:nvPicPr>
+          <p:cNvPr id="8" name="Picture 7">
+            <a:extLst>
+              <a:ext uri="{FF2B5EF4-FFF2-40B4-BE49-F238E27FC236}">
+                <a16:creationId xmlns:a16="http://schemas.microsoft.com/office/drawing/2014/main" id="{089CB1F3-57EE-39BD-A4DE-70AE0D6752B9}"/>
+              </a:ext>
+            </a:extLst>
+          </p:cNvPr>
+          <p:cNvPicPr>
+            <a:picLocks noChangeAspect="1"/>
+          </p:cNvPicPr>
+          <p:nvPr/>
+        </p:nvPicPr>
+        <p:blipFill>
+          <a:blip r:embed="rId5"/>
+          <a:stretch>
+            <a:fillRect/>
+          </a:stretch>
+        </p:blipFill>
+        <p:spPr>
+          <a:xfrm>
+            <a:off x="5118755" y="3844591"/>
+            <a:ext cx="6737912" cy="1844223"/>
+          </a:xfrm>
+          <a:prstGeom prst="rect">
+            <a:avLst/>
+          </a:prstGeom>
+        </p:spPr>
+      </p:pic>
+      <p:pic>
+        <p:nvPicPr>
+          <p:cNvPr id="9" name="Picture 8">
+            <a:extLst>
+              <a:ext uri="{FF2B5EF4-FFF2-40B4-BE49-F238E27FC236}">
+                <a16:creationId xmlns:a16="http://schemas.microsoft.com/office/drawing/2014/main" id="{7BD0EF0D-F173-6448-BFFE-8CE391A7434A}"/>
+              </a:ext>
+            </a:extLst>
+          </p:cNvPr>
+          <p:cNvPicPr>
+            <a:picLocks noChangeAspect="1"/>
+          </p:cNvPicPr>
+          <p:nvPr/>
+        </p:nvPicPr>
+        <p:blipFill>
+          <a:blip r:embed="rId6"/>
+          <a:stretch>
+            <a:fillRect/>
+          </a:stretch>
+        </p:blipFill>
+        <p:spPr>
+          <a:xfrm>
+            <a:off x="143654" y="2945322"/>
+            <a:ext cx="4881177" cy="3642759"/>
           </a:xfrm>
           <a:prstGeom prst="rect">
             <a:avLst/>
@@ -9203,7 +9795,7 @@
     </p:spTree>
     <p:extLst>
       <p:ext uri="{BB962C8B-B14F-4D97-AF65-F5344CB8AC3E}">
-        <p14:creationId xmlns:p14="http://schemas.microsoft.com/office/powerpoint/2010/main" val="3860471105"/>
+        <p14:creationId xmlns:p14="http://schemas.microsoft.com/office/powerpoint/2010/main" val="3230804097"/>
       </p:ext>
     </p:extLst>
   </p:cSld>
@@ -9392,7 +9984,7 @@
           <p:cNvPr id="3" name="Content Placeholder 2">
             <a:extLst>
               <a:ext uri="{FF2B5EF4-FFF2-40B4-BE49-F238E27FC236}">
-                <a16:creationId xmlns:a16="http://schemas.microsoft.com/office/drawing/2014/main" id="{ABC38A28-36E3-DD23-48E9-79AB616E3EDF}"/>
+                <a16:creationId xmlns:a16="http://schemas.microsoft.com/office/drawing/2014/main" id="{B211E3FF-F5B3-3B98-0766-7BC6C683399A}"/>
               </a:ext>
             </a:extLst>
           </p:cNvPr>
@@ -9408,7 +10000,56 @@
           <a:bodyPr/>
           <a:lstStyle/>
           <a:p>
-            <a:endParaRPr lang="en-US"/>
+            <a:r>
+              <a:rPr lang="en-US" dirty="0"/>
+              <a:t>Step (1): </a:t>
+            </a:r>
+          </a:p>
+          <a:p>
+            <a:pPr lvl="1"/>
+            <a:r>
+              <a:rPr lang="en-US" dirty="0"/>
+              <a:t>Clustering Features </a:t>
+            </a:r>
+          </a:p>
+          <a:p>
+            <a:endParaRPr lang="en-US" dirty="0"/>
+          </a:p>
+          <a:p>
+            <a:endParaRPr lang="en-US" dirty="0"/>
+          </a:p>
+          <a:p>
+            <a:endParaRPr lang="en-US" dirty="0"/>
+          </a:p>
+          <a:p>
+            <a:r>
+              <a:rPr lang="en-US" dirty="0"/>
+              <a:t>Step (2):</a:t>
+            </a:r>
+          </a:p>
+          <a:p>
+            <a:pPr lvl="1"/>
+            <a:r>
+              <a:rPr lang="en-US" dirty="0"/>
+              <a:t>Applying MDI/MDA to clustered features</a:t>
+            </a:r>
+          </a:p>
+          <a:p>
+            <a:pPr lvl="2"/>
+            <a:r>
+              <a:rPr lang="en-US" dirty="0"/>
+              <a:t>Clustered MDI: in-sample importance </a:t>
+            </a:r>
+          </a:p>
+          <a:p>
+            <a:pPr lvl="2"/>
+            <a:r>
+              <a:rPr lang="en-US" dirty="0"/>
+              <a:t>Clustered MDA: OOS importance </a:t>
+            </a:r>
+          </a:p>
+          <a:p>
+            <a:endParaRPr lang="en-US" dirty="0"/>
           </a:p>
         </p:txBody>
       </p:sp>
@@ -9417,7 +10058,7 @@
           <p:cNvPr id="4" name="Slide Number Placeholder 3">
             <a:extLst>
               <a:ext uri="{FF2B5EF4-FFF2-40B4-BE49-F238E27FC236}">
-                <a16:creationId xmlns:a16="http://schemas.microsoft.com/office/drawing/2014/main" id="{6D821B6C-0D84-04F4-8DC0-8D55BE2502C5}"/>
+                <a16:creationId xmlns:a16="http://schemas.microsoft.com/office/drawing/2014/main" id="{DC0F431D-C517-9302-7B37-8BF929216F49}"/>
               </a:ext>
             </a:extLst>
           </p:cNvPr>
@@ -9446,7 +10087,7 @@
           <p:cNvPr id="5" name="Title 1">
             <a:extLst>
               <a:ext uri="{FF2B5EF4-FFF2-40B4-BE49-F238E27FC236}">
-                <a16:creationId xmlns:a16="http://schemas.microsoft.com/office/drawing/2014/main" id="{A5363932-0775-FF09-BD01-3D5CD195316F}"/>
+                <a16:creationId xmlns:a16="http://schemas.microsoft.com/office/drawing/2014/main" id="{1DA2063E-F6D2-3B87-F9B4-B2003D2A689D}"/>
               </a:ext>
             </a:extLst>
           </p:cNvPr>
@@ -9490,76 +10131,17 @@
           <a:p>
             <a:pPr rtl="1"/>
             <a:r>
-              <a:rPr lang="en-US" dirty="0"/>
-              <a:t>Solving the substitution effect – Step (2) </a:t>
-            </a:r>
-          </a:p>
-        </p:txBody>
-      </p:sp>
-      <p:pic>
-        <p:nvPicPr>
-          <p:cNvPr id="6" name="Picture 5">
-            <a:extLst>
-              <a:ext uri="{FF2B5EF4-FFF2-40B4-BE49-F238E27FC236}">
-                <a16:creationId xmlns:a16="http://schemas.microsoft.com/office/drawing/2014/main" id="{3CF8819F-2C38-4620-C50C-1C534B769BF7}"/>
-              </a:ext>
-            </a:extLst>
-          </p:cNvPr>
-          <p:cNvPicPr>
-            <a:picLocks noChangeAspect="1"/>
-          </p:cNvPicPr>
-          <p:nvPr/>
-        </p:nvPicPr>
-        <p:blipFill>
-          <a:blip r:embed="rId2"/>
-          <a:stretch>
-            <a:fillRect/>
-          </a:stretch>
-        </p:blipFill>
-        <p:spPr>
-          <a:xfrm>
-            <a:off x="93352" y="1981200"/>
-            <a:ext cx="5337273" cy="3106771"/>
-          </a:xfrm>
-          <a:prstGeom prst="rect">
-            <a:avLst/>
-          </a:prstGeom>
-        </p:spPr>
-      </p:pic>
-      <p:pic>
-        <p:nvPicPr>
-          <p:cNvPr id="8" name="Picture 7">
-            <a:extLst>
-              <a:ext uri="{FF2B5EF4-FFF2-40B4-BE49-F238E27FC236}">
-                <a16:creationId xmlns:a16="http://schemas.microsoft.com/office/drawing/2014/main" id="{3560ED80-CFF3-EFB9-68E9-80BAE6DE0112}"/>
-              </a:ext>
-            </a:extLst>
-          </p:cNvPr>
-          <p:cNvPicPr>
-            <a:picLocks noChangeAspect="1"/>
-          </p:cNvPicPr>
-          <p:nvPr/>
-        </p:nvPicPr>
-        <p:blipFill>
-          <a:blip r:embed="rId3"/>
-          <a:stretch>
-            <a:fillRect/>
-          </a:stretch>
-        </p:blipFill>
-        <p:spPr>
-          <a:xfrm>
-            <a:off x="6264324" y="1981200"/>
-            <a:ext cx="5704953" cy="2779336"/>
-          </a:xfrm>
-          <a:prstGeom prst="rect">
-            <a:avLst/>
-          </a:prstGeom>
-        </p:spPr>
-      </p:pic>
+              <a:rPr lang="en-US"/>
+              <a:t>Solving the substitution effect </a:t>
+            </a:r>
+            <a:endParaRPr lang="en-US" dirty="0"/>
+          </a:p>
+        </p:txBody>
+      </p:sp>
     </p:spTree>
     <p:extLst>
       <p:ext uri="{BB962C8B-B14F-4D97-AF65-F5344CB8AC3E}">
-        <p14:creationId xmlns:p14="http://schemas.microsoft.com/office/powerpoint/2010/main" val="1026986123"/>
+        <p14:creationId xmlns:p14="http://schemas.microsoft.com/office/powerpoint/2010/main" val="2702339966"/>
       </p:ext>
     </p:extLst>
   </p:cSld>
@@ -9591,7 +10173,7 @@
           <p:cNvPr id="2" name="Title 1">
             <a:extLst>
               <a:ext uri="{FF2B5EF4-FFF2-40B4-BE49-F238E27FC236}">
-                <a16:creationId xmlns:a16="http://schemas.microsoft.com/office/drawing/2014/main" id="{62F6BF0A-4262-172C-4D8B-BF685FF6484D}"/>
+                <a16:creationId xmlns:a16="http://schemas.microsoft.com/office/drawing/2014/main" id="{0176CE2F-A19B-C853-BC7B-44CBBED4DD9A}"/>
               </a:ext>
             </a:extLst>
           </p:cNvPr>
@@ -9604,19 +10186,26 @@
         </p:nvSpPr>
         <p:spPr>
           <a:xfrm>
-            <a:off x="0" y="136525"/>
-            <a:ext cx="4157221" cy="407873"/>
-          </a:xfrm>
-        </p:spPr>
-        <p:txBody>
-          <a:bodyPr>
-            <a:normAutofit fontScale="90000"/>
-          </a:bodyPr>
-          <a:lstStyle/>
-          <a:p>
+            <a:off x="0" y="0"/>
+            <a:ext cx="10515600" cy="860360"/>
+          </a:xfrm>
+        </p:spPr>
+        <p:txBody>
+          <a:bodyPr/>
+          <a:lstStyle/>
+          <a:p>
+            <a:pPr algn="l" defTabSz="914400" rtl="1" eaLnBrk="1" latinLnBrk="0" hangingPunct="1">
+              <a:lnSpc>
+                <a:spcPct val="90000"/>
+              </a:lnSpc>
+              <a:spcBef>
+                <a:spcPct val="0"/>
+              </a:spcBef>
+              <a:buNone/>
+            </a:pPr>
             <a:r>
               <a:rPr lang="en-US" dirty="0"/>
-              <a:t>Example revisited</a:t>
+              <a:t>Solving the substitution effect – Step (1) </a:t>
             </a:r>
           </a:p>
         </p:txBody>
@@ -9626,7 +10215,7 @@
           <p:cNvPr id="4" name="Slide Number Placeholder 3">
             <a:extLst>
               <a:ext uri="{FF2B5EF4-FFF2-40B4-BE49-F238E27FC236}">
-                <a16:creationId xmlns:a16="http://schemas.microsoft.com/office/drawing/2014/main" id="{F1985A33-6B29-2D78-F9D7-7ED844D060CC}"/>
+                <a16:creationId xmlns:a16="http://schemas.microsoft.com/office/drawing/2014/main" id="{B63EA6DB-96D1-7B52-CED9-CA8DAF4C8735}"/>
               </a:ext>
             </a:extLst>
           </p:cNvPr>
@@ -9652,10 +10241,10 @@
       </p:sp>
       <p:pic>
         <p:nvPicPr>
-          <p:cNvPr id="5" name="Picture 4">
-            <a:extLst>
-              <a:ext uri="{FF2B5EF4-FFF2-40B4-BE49-F238E27FC236}">
-                <a16:creationId xmlns:a16="http://schemas.microsoft.com/office/drawing/2014/main" id="{4DB72B7D-4EE4-DBB1-FD88-0D4416F283F7}"/>
+          <p:cNvPr id="6" name="Picture 5">
+            <a:extLst>
+              <a:ext uri="{FF2B5EF4-FFF2-40B4-BE49-F238E27FC236}">
+                <a16:creationId xmlns:a16="http://schemas.microsoft.com/office/drawing/2014/main" id="{850F15FA-9E0D-A061-27E1-1790E3887D6B}"/>
               </a:ext>
             </a:extLst>
           </p:cNvPr>
@@ -9665,115 +10254,241 @@
           <p:nvPr/>
         </p:nvPicPr>
         <p:blipFill>
-          <a:blip r:embed="rId3"/>
+          <a:blip r:embed="rId2"/>
           <a:stretch>
             <a:fillRect/>
           </a:stretch>
         </p:blipFill>
         <p:spPr>
           <a:xfrm>
-            <a:off x="107623" y="544398"/>
-            <a:ext cx="3756046" cy="3196508"/>
+            <a:off x="1549924" y="848052"/>
+            <a:ext cx="8810134" cy="5873423"/>
           </a:xfrm>
           <a:prstGeom prst="rect">
             <a:avLst/>
           </a:prstGeom>
         </p:spPr>
       </p:pic>
-      <p:pic>
-        <p:nvPicPr>
-          <p:cNvPr id="6" name="Picture 5">
-            <a:extLst>
-              <a:ext uri="{FF2B5EF4-FFF2-40B4-BE49-F238E27FC236}">
-                <a16:creationId xmlns:a16="http://schemas.microsoft.com/office/drawing/2014/main" id="{D8E6C4A9-ED06-DCAC-83AD-C4FB4AEC3AD8}"/>
-              </a:ext>
-            </a:extLst>
-          </p:cNvPr>
-          <p:cNvPicPr>
-            <a:picLocks noChangeAspect="1"/>
-          </p:cNvPicPr>
+      <p:sp>
+        <p:nvSpPr>
+          <p:cNvPr id="7" name="Rounded Rectangle 6">
+            <a:extLst>
+              <a:ext uri="{FF2B5EF4-FFF2-40B4-BE49-F238E27FC236}">
+                <a16:creationId xmlns:a16="http://schemas.microsoft.com/office/drawing/2014/main" id="{B2BB5B6D-E018-7764-F2C7-318C372DAF91}"/>
+              </a:ext>
+            </a:extLst>
+          </p:cNvPr>
+          <p:cNvSpPr/>
           <p:nvPr/>
-        </p:nvPicPr>
-        <p:blipFill>
-          <a:blip r:embed="rId4"/>
-          <a:stretch>
-            <a:fillRect/>
-          </a:stretch>
-        </p:blipFill>
-        <p:spPr>
-          <a:xfrm>
-            <a:off x="4594246" y="927200"/>
-            <a:ext cx="6542202" cy="1780051"/>
-          </a:xfrm>
-          <a:prstGeom prst="rect">
+        </p:nvSpPr>
+        <p:spPr>
+          <a:xfrm>
+            <a:off x="1751814" y="830598"/>
+            <a:ext cx="3612037" cy="302018"/>
+          </a:xfrm>
+          <a:prstGeom prst="roundRect">
             <a:avLst/>
           </a:prstGeom>
-        </p:spPr>
-      </p:pic>
-      <p:pic>
-        <p:nvPicPr>
-          <p:cNvPr id="7" name="Picture 6">
-            <a:extLst>
-              <a:ext uri="{FF2B5EF4-FFF2-40B4-BE49-F238E27FC236}">
-                <a16:creationId xmlns:a16="http://schemas.microsoft.com/office/drawing/2014/main" id="{ED64FD4F-78C5-7CF5-2F46-C4BD1F899075}"/>
-              </a:ext>
-            </a:extLst>
-          </p:cNvPr>
-          <p:cNvPicPr>
-            <a:picLocks noChangeAspect="1"/>
-          </p:cNvPicPr>
+          <a:solidFill>
+            <a:schemeClr val="accent2">
+              <a:alpha val="30632"/>
+            </a:schemeClr>
+          </a:solidFill>
+          <a:ln>
+            <a:noFill/>
+          </a:ln>
+        </p:spPr>
+        <p:style>
+          <a:lnRef idx="2">
+            <a:schemeClr val="accent1">
+              <a:shade val="15000"/>
+            </a:schemeClr>
+          </a:lnRef>
+          <a:fillRef idx="1">
+            <a:schemeClr val="accent1"/>
+          </a:fillRef>
+          <a:effectRef idx="0">
+            <a:schemeClr val="accent1"/>
+          </a:effectRef>
+          <a:fontRef idx="minor">
+            <a:schemeClr val="lt1"/>
+          </a:fontRef>
+        </p:style>
+        <p:txBody>
+          <a:bodyPr rtlCol="0" anchor="ctr"/>
+          <a:lstStyle/>
+          <a:p>
+            <a:pPr algn="ctr"/>
+            <a:endParaRPr lang="en-US" dirty="0"/>
+          </a:p>
+        </p:txBody>
+      </p:sp>
+      <p:sp>
+        <p:nvSpPr>
+          <p:cNvPr id="8" name="Rounded Rectangle 7">
+            <a:extLst>
+              <a:ext uri="{FF2B5EF4-FFF2-40B4-BE49-F238E27FC236}">
+                <a16:creationId xmlns:a16="http://schemas.microsoft.com/office/drawing/2014/main" id="{29875A97-D9C5-F490-2F7A-B6405B1EDC1C}"/>
+              </a:ext>
+            </a:extLst>
+          </p:cNvPr>
+          <p:cNvSpPr/>
           <p:nvPr/>
-        </p:nvPicPr>
-        <p:blipFill>
-          <a:blip r:embed="rId5"/>
-          <a:stretch>
-            <a:fillRect/>
-          </a:stretch>
-        </p:blipFill>
-        <p:spPr>
-          <a:xfrm>
-            <a:off x="4559932" y="3085135"/>
-            <a:ext cx="6614224" cy="1806686"/>
-          </a:xfrm>
-          <a:prstGeom prst="rect">
+        </p:nvSpPr>
+        <p:spPr>
+          <a:xfrm>
+            <a:off x="1831942" y="2122986"/>
+            <a:ext cx="5728355" cy="302018"/>
+          </a:xfrm>
+          <a:prstGeom prst="roundRect">
             <a:avLst/>
           </a:prstGeom>
-        </p:spPr>
-      </p:pic>
-      <p:pic>
-        <p:nvPicPr>
-          <p:cNvPr id="8" name="Picture 7">
-            <a:extLst>
-              <a:ext uri="{FF2B5EF4-FFF2-40B4-BE49-F238E27FC236}">
-                <a16:creationId xmlns:a16="http://schemas.microsoft.com/office/drawing/2014/main" id="{C454A7E6-A4B3-1ACE-D26D-5085D4B22B63}"/>
-              </a:ext>
-            </a:extLst>
-          </p:cNvPr>
-          <p:cNvPicPr>
-            <a:picLocks noChangeAspect="1"/>
-          </p:cNvPicPr>
+          <a:solidFill>
+            <a:schemeClr val="accent2">
+              <a:alpha val="30632"/>
+            </a:schemeClr>
+          </a:solidFill>
+          <a:ln>
+            <a:noFill/>
+          </a:ln>
+        </p:spPr>
+        <p:style>
+          <a:lnRef idx="2">
+            <a:schemeClr val="accent1">
+              <a:shade val="15000"/>
+            </a:schemeClr>
+          </a:lnRef>
+          <a:fillRef idx="1">
+            <a:schemeClr val="accent1"/>
+          </a:fillRef>
+          <a:effectRef idx="0">
+            <a:schemeClr val="accent1"/>
+          </a:effectRef>
+          <a:fontRef idx="minor">
+            <a:schemeClr val="lt1"/>
+          </a:fontRef>
+        </p:style>
+        <p:txBody>
+          <a:bodyPr rtlCol="0" anchor="ctr"/>
+          <a:lstStyle/>
+          <a:p>
+            <a:pPr algn="ctr"/>
+            <a:endParaRPr lang="en-US" dirty="0"/>
+          </a:p>
+        </p:txBody>
+      </p:sp>
+      <p:sp>
+        <p:nvSpPr>
+          <p:cNvPr id="9" name="Rounded Rectangle 8">
+            <a:extLst>
+              <a:ext uri="{FF2B5EF4-FFF2-40B4-BE49-F238E27FC236}">
+                <a16:creationId xmlns:a16="http://schemas.microsoft.com/office/drawing/2014/main" id="{FFDF2A82-834D-B45E-101E-8EE7D1161688}"/>
+              </a:ext>
+            </a:extLst>
+          </p:cNvPr>
+          <p:cNvSpPr/>
           <p:nvPr/>
-        </p:nvPicPr>
-        <p:blipFill>
-          <a:blip r:embed="rId6"/>
-          <a:stretch>
-            <a:fillRect/>
-          </a:stretch>
-        </p:blipFill>
-        <p:spPr>
-          <a:xfrm>
-            <a:off x="629763" y="3908916"/>
-            <a:ext cx="2572073" cy="2840676"/>
-          </a:xfrm>
-          <a:prstGeom prst="rect">
+        </p:nvSpPr>
+        <p:spPr>
+          <a:xfrm>
+            <a:off x="1751814" y="2985858"/>
+            <a:ext cx="7995501" cy="461996"/>
+          </a:xfrm>
+          <a:prstGeom prst="roundRect">
             <a:avLst/>
           </a:prstGeom>
-        </p:spPr>
-      </p:pic>
+          <a:solidFill>
+            <a:schemeClr val="accent2">
+              <a:alpha val="30632"/>
+            </a:schemeClr>
+          </a:solidFill>
+          <a:ln>
+            <a:noFill/>
+          </a:ln>
+        </p:spPr>
+        <p:style>
+          <a:lnRef idx="2">
+            <a:schemeClr val="accent1">
+              <a:shade val="15000"/>
+            </a:schemeClr>
+          </a:lnRef>
+          <a:fillRef idx="1">
+            <a:schemeClr val="accent1"/>
+          </a:fillRef>
+          <a:effectRef idx="0">
+            <a:schemeClr val="accent1"/>
+          </a:effectRef>
+          <a:fontRef idx="minor">
+            <a:schemeClr val="lt1"/>
+          </a:fontRef>
+        </p:style>
+        <p:txBody>
+          <a:bodyPr rtlCol="0" anchor="ctr"/>
+          <a:lstStyle/>
+          <a:p>
+            <a:pPr algn="ctr"/>
+            <a:endParaRPr lang="en-US" dirty="0"/>
+          </a:p>
+        </p:txBody>
+      </p:sp>
+      <p:sp>
+        <p:nvSpPr>
+          <p:cNvPr id="10" name="Rounded Rectangle 9">
+            <a:extLst>
+              <a:ext uri="{FF2B5EF4-FFF2-40B4-BE49-F238E27FC236}">
+                <a16:creationId xmlns:a16="http://schemas.microsoft.com/office/drawing/2014/main" id="{412F8FC4-0F1F-A11B-28B6-15E0DB623BE4}"/>
+              </a:ext>
+            </a:extLst>
+          </p:cNvPr>
+          <p:cNvSpPr/>
+          <p:nvPr/>
+        </p:nvSpPr>
+        <p:spPr>
+          <a:xfrm>
+            <a:off x="5257800" y="5342354"/>
+            <a:ext cx="2554664" cy="461996"/>
+          </a:xfrm>
+          <a:prstGeom prst="roundRect">
+            <a:avLst/>
+          </a:prstGeom>
+          <a:solidFill>
+            <a:schemeClr val="accent2">
+              <a:alpha val="30632"/>
+            </a:schemeClr>
+          </a:solidFill>
+          <a:ln>
+            <a:noFill/>
+          </a:ln>
+        </p:spPr>
+        <p:style>
+          <a:lnRef idx="2">
+            <a:schemeClr val="accent1">
+              <a:shade val="15000"/>
+            </a:schemeClr>
+          </a:lnRef>
+          <a:fillRef idx="1">
+            <a:schemeClr val="accent1"/>
+          </a:fillRef>
+          <a:effectRef idx="0">
+            <a:schemeClr val="accent1"/>
+          </a:effectRef>
+          <a:fontRef idx="minor">
+            <a:schemeClr val="lt1"/>
+          </a:fontRef>
+        </p:style>
+        <p:txBody>
+          <a:bodyPr rtlCol="0" anchor="ctr"/>
+          <a:lstStyle/>
+          <a:p>
+            <a:pPr algn="ctr"/>
+            <a:endParaRPr lang="en-US" dirty="0"/>
+          </a:p>
+        </p:txBody>
+      </p:sp>
     </p:spTree>
     <p:extLst>
       <p:ext uri="{BB962C8B-B14F-4D97-AF65-F5344CB8AC3E}">
-        <p14:creationId xmlns:p14="http://schemas.microsoft.com/office/powerpoint/2010/main" val="1632754486"/>
+        <p14:creationId xmlns:p14="http://schemas.microsoft.com/office/powerpoint/2010/main" val="3860471105"/>
       </p:ext>
     </p:extLst>
   </p:cSld>
@@ -9802,6 +10517,473 @@
       </p:grpSpPr>
       <p:sp>
         <p:nvSpPr>
+          <p:cNvPr id="3" name="Content Placeholder 2">
+            <a:extLst>
+              <a:ext uri="{FF2B5EF4-FFF2-40B4-BE49-F238E27FC236}">
+                <a16:creationId xmlns:a16="http://schemas.microsoft.com/office/drawing/2014/main" id="{ABC38A28-36E3-DD23-48E9-79AB616E3EDF}"/>
+              </a:ext>
+            </a:extLst>
+          </p:cNvPr>
+          <p:cNvSpPr>
+            <a:spLocks noGrp="1"/>
+          </p:cNvSpPr>
+          <p:nvPr>
+            <p:ph idx="1"/>
+          </p:nvPr>
+        </p:nvSpPr>
+        <p:spPr/>
+        <p:txBody>
+          <a:bodyPr/>
+          <a:lstStyle/>
+          <a:p>
+            <a:endParaRPr lang="en-US"/>
+          </a:p>
+        </p:txBody>
+      </p:sp>
+      <p:sp>
+        <p:nvSpPr>
+          <p:cNvPr id="4" name="Slide Number Placeholder 3">
+            <a:extLst>
+              <a:ext uri="{FF2B5EF4-FFF2-40B4-BE49-F238E27FC236}">
+                <a16:creationId xmlns:a16="http://schemas.microsoft.com/office/drawing/2014/main" id="{6D821B6C-0D84-04F4-8DC0-8D55BE2502C5}"/>
+              </a:ext>
+            </a:extLst>
+          </p:cNvPr>
+          <p:cNvSpPr>
+            <a:spLocks noGrp="1"/>
+          </p:cNvSpPr>
+          <p:nvPr>
+            <p:ph type="sldNum" sz="quarter" idx="12"/>
+          </p:nvPr>
+        </p:nvSpPr>
+        <p:spPr/>
+        <p:txBody>
+          <a:bodyPr/>
+          <a:lstStyle/>
+          <a:p>
+            <a:fld id="{C24A80E4-449E-374F-B36C-723503BC9C61}" type="slidenum">
+              <a:rPr lang="en-US" smtClean="0"/>
+              <a:t>22</a:t>
+            </a:fld>
+            <a:endParaRPr lang="en-US"/>
+          </a:p>
+        </p:txBody>
+      </p:sp>
+      <p:sp>
+        <p:nvSpPr>
+          <p:cNvPr id="5" name="Title 1">
+            <a:extLst>
+              <a:ext uri="{FF2B5EF4-FFF2-40B4-BE49-F238E27FC236}">
+                <a16:creationId xmlns:a16="http://schemas.microsoft.com/office/drawing/2014/main" id="{A5363932-0775-FF09-BD01-3D5CD195316F}"/>
+              </a:ext>
+            </a:extLst>
+          </p:cNvPr>
+          <p:cNvSpPr txBox="1">
+            <a:spLocks/>
+          </p:cNvSpPr>
+          <p:nvPr/>
+        </p:nvSpPr>
+        <p:spPr>
+          <a:xfrm>
+            <a:off x="0" y="0"/>
+            <a:ext cx="10515600" cy="860360"/>
+          </a:xfrm>
+          <a:prstGeom prst="rect">
+            <a:avLst/>
+          </a:prstGeom>
+        </p:spPr>
+        <p:txBody>
+          <a:bodyPr vert="horz" lIns="91440" tIns="45720" rIns="91440" bIns="45720" rtlCol="0" anchor="ctr">
+            <a:normAutofit/>
+          </a:bodyPr>
+          <a:lstStyle>
+            <a:lvl1pPr algn="l" defTabSz="914400" rtl="0" eaLnBrk="1" latinLnBrk="0" hangingPunct="1">
+              <a:lnSpc>
+                <a:spcPct val="90000"/>
+              </a:lnSpc>
+              <a:spcBef>
+                <a:spcPct val="0"/>
+              </a:spcBef>
+              <a:buNone/>
+              <a:defRPr sz="4400" kern="1200">
+                <a:solidFill>
+                  <a:schemeClr val="tx1"/>
+                </a:solidFill>
+                <a:latin typeface="+mj-lt"/>
+                <a:ea typeface="+mj-ea"/>
+                <a:cs typeface="+mj-cs"/>
+              </a:defRPr>
+            </a:lvl1pPr>
+          </a:lstStyle>
+          <a:p>
+            <a:pPr rtl="1"/>
+            <a:r>
+              <a:rPr lang="en-US" dirty="0"/>
+              <a:t>Solving the substitution effect – Step (2) </a:t>
+            </a:r>
+          </a:p>
+        </p:txBody>
+      </p:sp>
+      <p:pic>
+        <p:nvPicPr>
+          <p:cNvPr id="6" name="Picture 5">
+            <a:extLst>
+              <a:ext uri="{FF2B5EF4-FFF2-40B4-BE49-F238E27FC236}">
+                <a16:creationId xmlns:a16="http://schemas.microsoft.com/office/drawing/2014/main" id="{3CF8819F-2C38-4620-C50C-1C534B769BF7}"/>
+              </a:ext>
+            </a:extLst>
+          </p:cNvPr>
+          <p:cNvPicPr>
+            <a:picLocks noChangeAspect="1"/>
+          </p:cNvPicPr>
+          <p:nvPr/>
+        </p:nvPicPr>
+        <p:blipFill>
+          <a:blip r:embed="rId2"/>
+          <a:stretch>
+            <a:fillRect/>
+          </a:stretch>
+        </p:blipFill>
+        <p:spPr>
+          <a:xfrm>
+            <a:off x="93352" y="1981200"/>
+            <a:ext cx="5337273" cy="3106771"/>
+          </a:xfrm>
+          <a:prstGeom prst="rect">
+            <a:avLst/>
+          </a:prstGeom>
+        </p:spPr>
+      </p:pic>
+      <p:pic>
+        <p:nvPicPr>
+          <p:cNvPr id="8" name="Picture 7">
+            <a:extLst>
+              <a:ext uri="{FF2B5EF4-FFF2-40B4-BE49-F238E27FC236}">
+                <a16:creationId xmlns:a16="http://schemas.microsoft.com/office/drawing/2014/main" id="{3560ED80-CFF3-EFB9-68E9-80BAE6DE0112}"/>
+              </a:ext>
+            </a:extLst>
+          </p:cNvPr>
+          <p:cNvPicPr>
+            <a:picLocks noChangeAspect="1"/>
+          </p:cNvPicPr>
+          <p:nvPr/>
+        </p:nvPicPr>
+        <p:blipFill>
+          <a:blip r:embed="rId3"/>
+          <a:stretch>
+            <a:fillRect/>
+          </a:stretch>
+        </p:blipFill>
+        <p:spPr>
+          <a:xfrm>
+            <a:off x="6264324" y="1981200"/>
+            <a:ext cx="5704953" cy="2779336"/>
+          </a:xfrm>
+          <a:prstGeom prst="rect">
+            <a:avLst/>
+          </a:prstGeom>
+        </p:spPr>
+      </p:pic>
+      <p:sp>
+        <p:nvSpPr>
+          <p:cNvPr id="9" name="Rounded Rectangle 8">
+            <a:extLst>
+              <a:ext uri="{FF2B5EF4-FFF2-40B4-BE49-F238E27FC236}">
+                <a16:creationId xmlns:a16="http://schemas.microsoft.com/office/drawing/2014/main" id="{228AF36D-C4FF-532E-1E94-59DF73FF7516}"/>
+              </a:ext>
+            </a:extLst>
+          </p:cNvPr>
+          <p:cNvSpPr/>
+          <p:nvPr/>
+        </p:nvSpPr>
+        <p:spPr>
+          <a:xfrm>
+            <a:off x="6710313" y="3219859"/>
+            <a:ext cx="5258964" cy="871374"/>
+          </a:xfrm>
+          <a:prstGeom prst="roundRect">
+            <a:avLst/>
+          </a:prstGeom>
+          <a:solidFill>
+            <a:schemeClr val="accent2">
+              <a:alpha val="30632"/>
+            </a:schemeClr>
+          </a:solidFill>
+          <a:ln>
+            <a:noFill/>
+          </a:ln>
+        </p:spPr>
+        <p:style>
+          <a:lnRef idx="2">
+            <a:schemeClr val="accent1">
+              <a:shade val="15000"/>
+            </a:schemeClr>
+          </a:lnRef>
+          <a:fillRef idx="1">
+            <a:schemeClr val="accent1"/>
+          </a:fillRef>
+          <a:effectRef idx="0">
+            <a:schemeClr val="accent1"/>
+          </a:effectRef>
+          <a:fontRef idx="minor">
+            <a:schemeClr val="lt1"/>
+          </a:fontRef>
+        </p:style>
+        <p:txBody>
+          <a:bodyPr rtlCol="0" anchor="ctr"/>
+          <a:lstStyle/>
+          <a:p>
+            <a:pPr algn="ctr"/>
+            <a:endParaRPr lang="en-US" dirty="0"/>
+          </a:p>
+        </p:txBody>
+      </p:sp>
+    </p:spTree>
+    <p:extLst>
+      <p:ext uri="{BB962C8B-B14F-4D97-AF65-F5344CB8AC3E}">
+        <p14:creationId xmlns:p14="http://schemas.microsoft.com/office/powerpoint/2010/main" val="1026986123"/>
+      </p:ext>
+    </p:extLst>
+  </p:cSld>
+  <p:clrMapOvr>
+    <a:masterClrMapping/>
+  </p:clrMapOvr>
+</p:sld>
+</file>
+
+<file path=ppt/slides/slide23.xml><?xml version="1.0" encoding="utf-8"?>
+<p:sld xmlns:a="http://schemas.openxmlformats.org/drawingml/2006/main" xmlns:r="http://schemas.openxmlformats.org/officeDocument/2006/relationships" xmlns:p="http://schemas.openxmlformats.org/presentationml/2006/main">
+  <p:cSld>
+    <p:spTree>
+      <p:nvGrpSpPr>
+        <p:cNvPr id="1" name=""/>
+        <p:cNvGrpSpPr/>
+        <p:nvPr/>
+      </p:nvGrpSpPr>
+      <p:grpSpPr>
+        <a:xfrm>
+          <a:off x="0" y="0"/>
+          <a:ext cx="0" cy="0"/>
+          <a:chOff x="0" y="0"/>
+          <a:chExt cx="0" cy="0"/>
+        </a:xfrm>
+      </p:grpSpPr>
+      <p:sp>
+        <p:nvSpPr>
+          <p:cNvPr id="2" name="Title 1">
+            <a:extLst>
+              <a:ext uri="{FF2B5EF4-FFF2-40B4-BE49-F238E27FC236}">
+                <a16:creationId xmlns:a16="http://schemas.microsoft.com/office/drawing/2014/main" id="{62F6BF0A-4262-172C-4D8B-BF685FF6484D}"/>
+              </a:ext>
+            </a:extLst>
+          </p:cNvPr>
+          <p:cNvSpPr>
+            <a:spLocks noGrp="1"/>
+          </p:cNvSpPr>
+          <p:nvPr>
+            <p:ph type="title"/>
+          </p:nvPr>
+        </p:nvSpPr>
+        <p:spPr>
+          <a:xfrm>
+            <a:off x="0" y="136525"/>
+            <a:ext cx="4157221" cy="407873"/>
+          </a:xfrm>
+        </p:spPr>
+        <p:txBody>
+          <a:bodyPr>
+            <a:normAutofit fontScale="90000"/>
+          </a:bodyPr>
+          <a:lstStyle/>
+          <a:p>
+            <a:r>
+              <a:rPr lang="en-US" dirty="0"/>
+              <a:t>Example revisited</a:t>
+            </a:r>
+          </a:p>
+        </p:txBody>
+      </p:sp>
+      <p:sp>
+        <p:nvSpPr>
+          <p:cNvPr id="4" name="Slide Number Placeholder 3">
+            <a:extLst>
+              <a:ext uri="{FF2B5EF4-FFF2-40B4-BE49-F238E27FC236}">
+                <a16:creationId xmlns:a16="http://schemas.microsoft.com/office/drawing/2014/main" id="{F1985A33-6B29-2D78-F9D7-7ED844D060CC}"/>
+              </a:ext>
+            </a:extLst>
+          </p:cNvPr>
+          <p:cNvSpPr>
+            <a:spLocks noGrp="1"/>
+          </p:cNvSpPr>
+          <p:nvPr>
+            <p:ph type="sldNum" sz="quarter" idx="12"/>
+          </p:nvPr>
+        </p:nvSpPr>
+        <p:spPr/>
+        <p:txBody>
+          <a:bodyPr/>
+          <a:lstStyle/>
+          <a:p>
+            <a:fld id="{C24A80E4-449E-374F-B36C-723503BC9C61}" type="slidenum">
+              <a:rPr lang="en-US" smtClean="0"/>
+              <a:t>23</a:t>
+            </a:fld>
+            <a:endParaRPr lang="en-US"/>
+          </a:p>
+        </p:txBody>
+      </p:sp>
+      <p:pic>
+        <p:nvPicPr>
+          <p:cNvPr id="5" name="Picture 4">
+            <a:extLst>
+              <a:ext uri="{FF2B5EF4-FFF2-40B4-BE49-F238E27FC236}">
+                <a16:creationId xmlns:a16="http://schemas.microsoft.com/office/drawing/2014/main" id="{4DB72B7D-4EE4-DBB1-FD88-0D4416F283F7}"/>
+              </a:ext>
+            </a:extLst>
+          </p:cNvPr>
+          <p:cNvPicPr>
+            <a:picLocks noChangeAspect="1"/>
+          </p:cNvPicPr>
+          <p:nvPr/>
+        </p:nvPicPr>
+        <p:blipFill>
+          <a:blip r:embed="rId3"/>
+          <a:stretch>
+            <a:fillRect/>
+          </a:stretch>
+        </p:blipFill>
+        <p:spPr>
+          <a:xfrm>
+            <a:off x="107623" y="544398"/>
+            <a:ext cx="3756046" cy="3196508"/>
+          </a:xfrm>
+          <a:prstGeom prst="rect">
+            <a:avLst/>
+          </a:prstGeom>
+        </p:spPr>
+      </p:pic>
+      <p:pic>
+        <p:nvPicPr>
+          <p:cNvPr id="6" name="Picture 5">
+            <a:extLst>
+              <a:ext uri="{FF2B5EF4-FFF2-40B4-BE49-F238E27FC236}">
+                <a16:creationId xmlns:a16="http://schemas.microsoft.com/office/drawing/2014/main" id="{D8E6C4A9-ED06-DCAC-83AD-C4FB4AEC3AD8}"/>
+              </a:ext>
+            </a:extLst>
+          </p:cNvPr>
+          <p:cNvPicPr>
+            <a:picLocks noChangeAspect="1"/>
+          </p:cNvPicPr>
+          <p:nvPr/>
+        </p:nvPicPr>
+        <p:blipFill>
+          <a:blip r:embed="rId4"/>
+          <a:stretch>
+            <a:fillRect/>
+          </a:stretch>
+        </p:blipFill>
+        <p:spPr>
+          <a:xfrm>
+            <a:off x="4594246" y="927200"/>
+            <a:ext cx="6542202" cy="1780051"/>
+          </a:xfrm>
+          <a:prstGeom prst="rect">
+            <a:avLst/>
+          </a:prstGeom>
+        </p:spPr>
+      </p:pic>
+      <p:pic>
+        <p:nvPicPr>
+          <p:cNvPr id="7" name="Picture 6">
+            <a:extLst>
+              <a:ext uri="{FF2B5EF4-FFF2-40B4-BE49-F238E27FC236}">
+                <a16:creationId xmlns:a16="http://schemas.microsoft.com/office/drawing/2014/main" id="{ED64FD4F-78C5-7CF5-2F46-C4BD1F899075}"/>
+              </a:ext>
+            </a:extLst>
+          </p:cNvPr>
+          <p:cNvPicPr>
+            <a:picLocks noChangeAspect="1"/>
+          </p:cNvPicPr>
+          <p:nvPr/>
+        </p:nvPicPr>
+        <p:blipFill>
+          <a:blip r:embed="rId5"/>
+          <a:stretch>
+            <a:fillRect/>
+          </a:stretch>
+        </p:blipFill>
+        <p:spPr>
+          <a:xfrm>
+            <a:off x="4559932" y="3085135"/>
+            <a:ext cx="6614224" cy="1806686"/>
+          </a:xfrm>
+          <a:prstGeom prst="rect">
+            <a:avLst/>
+          </a:prstGeom>
+        </p:spPr>
+      </p:pic>
+      <p:pic>
+        <p:nvPicPr>
+          <p:cNvPr id="8" name="Picture 7">
+            <a:extLst>
+              <a:ext uri="{FF2B5EF4-FFF2-40B4-BE49-F238E27FC236}">
+                <a16:creationId xmlns:a16="http://schemas.microsoft.com/office/drawing/2014/main" id="{C454A7E6-A4B3-1ACE-D26D-5085D4B22B63}"/>
+              </a:ext>
+            </a:extLst>
+          </p:cNvPr>
+          <p:cNvPicPr>
+            <a:picLocks noChangeAspect="1"/>
+          </p:cNvPicPr>
+          <p:nvPr/>
+        </p:nvPicPr>
+        <p:blipFill>
+          <a:blip r:embed="rId6"/>
+          <a:stretch>
+            <a:fillRect/>
+          </a:stretch>
+        </p:blipFill>
+        <p:spPr>
+          <a:xfrm>
+            <a:off x="629763" y="3908916"/>
+            <a:ext cx="2572073" cy="2840676"/>
+          </a:xfrm>
+          <a:prstGeom prst="rect">
+            <a:avLst/>
+          </a:prstGeom>
+        </p:spPr>
+      </p:pic>
+    </p:spTree>
+    <p:extLst>
+      <p:ext uri="{BB962C8B-B14F-4D97-AF65-F5344CB8AC3E}">
+        <p14:creationId xmlns:p14="http://schemas.microsoft.com/office/powerpoint/2010/main" val="1632754486"/>
+      </p:ext>
+    </p:extLst>
+  </p:cSld>
+  <p:clrMapOvr>
+    <a:masterClrMapping/>
+  </p:clrMapOvr>
+</p:sld>
+</file>
+
+<file path=ppt/slides/slide24.xml><?xml version="1.0" encoding="utf-8"?>
+<p:sld xmlns:a="http://schemas.openxmlformats.org/drawingml/2006/main" xmlns:r="http://schemas.openxmlformats.org/officeDocument/2006/relationships" xmlns:p="http://schemas.openxmlformats.org/presentationml/2006/main">
+  <p:cSld>
+    <p:spTree>
+      <p:nvGrpSpPr>
+        <p:cNvPr id="1" name=""/>
+        <p:cNvGrpSpPr/>
+        <p:nvPr/>
+      </p:nvGrpSpPr>
+      <p:grpSpPr>
+        <a:xfrm>
+          <a:off x="0" y="0"/>
+          <a:ext cx="0" cy="0"/>
+          <a:chOff x="0" y="0"/>
+          <a:chExt cx="0" cy="0"/>
+        </a:xfrm>
+      </p:grpSpPr>
+      <p:sp>
+        <p:nvSpPr>
           <p:cNvPr id="2" name="Title 1">
             <a:extLst>
               <a:ext uri="{FF2B5EF4-FFF2-40B4-BE49-F238E27FC236}">
@@ -9945,7 +11127,7 @@
           <a:p>
             <a:fld id="{C24A80E4-449E-374F-B36C-723503BC9C61}" type="slidenum">
               <a:rPr lang="en-US" smtClean="0"/>
-              <a:t>22</a:t>
+              <a:t>24</a:t>
             </a:fld>
             <a:endParaRPr lang="en-US"/>
           </a:p>
@@ -10125,7 +11307,7 @@
         </p:blipFill>
         <p:spPr>
           <a:xfrm>
-            <a:off x="6879472" y="1228547"/>
+            <a:off x="6747496" y="559393"/>
             <a:ext cx="1614079" cy="437862"/>
           </a:xfrm>
           <a:prstGeom prst="rect">
@@ -10155,7 +11337,7 @@
         </p:blipFill>
         <p:spPr>
           <a:xfrm>
-            <a:off x="8736739" y="1173492"/>
+            <a:off x="6851378" y="1188806"/>
             <a:ext cx="2017532" cy="547972"/>
           </a:xfrm>
           <a:prstGeom prst="rect">
@@ -10185,12 +11367,26 @@
         </p:blipFill>
         <p:spPr>
           <a:xfrm>
-            <a:off x="460622" y="1382303"/>
-            <a:ext cx="977107" cy="339161"/>
+            <a:off x="506444" y="1337132"/>
+            <a:ext cx="1151361" cy="399646"/>
           </a:xfrm>
           <a:prstGeom prst="rect">
             <a:avLst/>
           </a:prstGeom>
+          <a:ln w="38100" cap="sq">
+            <a:solidFill>
+              <a:srgbClr val="000000"/>
+            </a:solidFill>
+            <a:prstDash val="solid"/>
+            <a:miter lim="800000"/>
+          </a:ln>
+          <a:effectLst>
+            <a:outerShdw blurRad="50800" dist="38100" dir="2700000" algn="tl" rotWithShape="0">
+              <a:srgbClr val="000000">
+                <a:alpha val="43000"/>
+              </a:srgbClr>
+            </a:outerShdw>
+          </a:effectLst>
         </p:spPr>
       </p:pic>
       <p:sp>
@@ -10302,6 +11498,145 @@
           <a:p>
             <a:pPr algn="ctr"/>
             <a:endParaRPr lang="en-US" dirty="0"/>
+          </a:p>
+        </p:txBody>
+      </p:sp>
+      <p:cxnSp>
+        <p:nvCxnSpPr>
+          <p:cNvPr id="13" name="Straight Connector 12">
+            <a:extLst>
+              <a:ext uri="{FF2B5EF4-FFF2-40B4-BE49-F238E27FC236}">
+                <a16:creationId xmlns:a16="http://schemas.microsoft.com/office/drawing/2014/main" id="{D612916A-2A39-5FCA-00D2-94DEE0C650D6}"/>
+              </a:ext>
+            </a:extLst>
+          </p:cNvPr>
+          <p:cNvCxnSpPr>
+            <a:cxnSpLocks/>
+          </p:cNvCxnSpPr>
+          <p:nvPr/>
+        </p:nvCxnSpPr>
+        <p:spPr>
+          <a:xfrm>
+            <a:off x="5227320" y="434340"/>
+            <a:ext cx="0" cy="5775960"/>
+          </a:xfrm>
+          <a:prstGeom prst="line">
+            <a:avLst/>
+          </a:prstGeom>
+          <a:ln w="60325"/>
+        </p:spPr>
+        <p:style>
+          <a:lnRef idx="2">
+            <a:schemeClr val="accent1"/>
+          </a:lnRef>
+          <a:fillRef idx="0">
+            <a:schemeClr val="accent1"/>
+          </a:fillRef>
+          <a:effectRef idx="1">
+            <a:schemeClr val="accent1"/>
+          </a:effectRef>
+          <a:fontRef idx="minor">
+            <a:schemeClr val="tx1"/>
+          </a:fontRef>
+        </p:style>
+      </p:cxnSp>
+      <p:sp>
+        <p:nvSpPr>
+          <p:cNvPr id="15" name="Rounded Rectangle 14">
+            <a:extLst>
+              <a:ext uri="{FF2B5EF4-FFF2-40B4-BE49-F238E27FC236}">
+                <a16:creationId xmlns:a16="http://schemas.microsoft.com/office/drawing/2014/main" id="{FB9A0A3C-E20C-AA56-742C-F1698D0527F1}"/>
+              </a:ext>
+            </a:extLst>
+          </p:cNvPr>
+          <p:cNvSpPr/>
+          <p:nvPr/>
+        </p:nvSpPr>
+        <p:spPr>
+          <a:xfrm>
+            <a:off x="6538982" y="472122"/>
+            <a:ext cx="2623872" cy="1375532"/>
+          </a:xfrm>
+          <a:prstGeom prst="roundRect">
+            <a:avLst/>
+          </a:prstGeom>
+          <a:solidFill>
+            <a:schemeClr val="accent1">
+              <a:alpha val="17108"/>
+            </a:schemeClr>
+          </a:solidFill>
+          <a:ln>
+            <a:noFill/>
+          </a:ln>
+        </p:spPr>
+        <p:style>
+          <a:lnRef idx="2">
+            <a:schemeClr val="accent1">
+              <a:shade val="15000"/>
+            </a:schemeClr>
+          </a:lnRef>
+          <a:fillRef idx="1">
+            <a:schemeClr val="accent1"/>
+          </a:fillRef>
+          <a:effectRef idx="0">
+            <a:schemeClr val="accent1"/>
+          </a:effectRef>
+          <a:fontRef idx="minor">
+            <a:schemeClr val="lt1"/>
+          </a:fontRef>
+        </p:style>
+        <p:txBody>
+          <a:bodyPr rtlCol="0" anchor="ctr"/>
+          <a:lstStyle/>
+          <a:p>
+            <a:pPr algn="ctr"/>
+            <a:endParaRPr lang="en-US" dirty="0"/>
+          </a:p>
+        </p:txBody>
+      </p:sp>
+      <p:sp>
+        <p:nvSpPr>
+          <p:cNvPr id="16" name="Right Arrow 15">
+            <a:extLst>
+              <a:ext uri="{FF2B5EF4-FFF2-40B4-BE49-F238E27FC236}">
+                <a16:creationId xmlns:a16="http://schemas.microsoft.com/office/drawing/2014/main" id="{C97E3B84-DF11-ED1D-AD00-98912BABB214}"/>
+              </a:ext>
+            </a:extLst>
+          </p:cNvPr>
+          <p:cNvSpPr/>
+          <p:nvPr/>
+        </p:nvSpPr>
+        <p:spPr>
+          <a:xfrm>
+            <a:off x="5592130" y="1064112"/>
+            <a:ext cx="502928" cy="124694"/>
+          </a:xfrm>
+          <a:prstGeom prst="rightArrow">
+            <a:avLst/>
+          </a:prstGeom>
+        </p:spPr>
+        <p:style>
+          <a:lnRef idx="2">
+            <a:schemeClr val="accent1">
+              <a:shade val="15000"/>
+            </a:schemeClr>
+          </a:lnRef>
+          <a:fillRef idx="1">
+            <a:schemeClr val="accent1"/>
+          </a:fillRef>
+          <a:effectRef idx="0">
+            <a:schemeClr val="accent1"/>
+          </a:effectRef>
+          <a:fontRef idx="minor">
+            <a:schemeClr val="lt1"/>
+          </a:fontRef>
+        </p:style>
+        <p:txBody>
+          <a:bodyPr rtlCol="0" anchor="ctr"/>
+          <a:lstStyle/>
+          <a:p>
+            <a:pPr algn="ctr"/>
+            <a:endParaRPr lang="en-US"/>
           </a:p>
         </p:txBody>
       </p:sp>
@@ -10372,31 +11707,6 @@
       </p:sp>
       <p:sp>
         <p:nvSpPr>
-          <p:cNvPr id="3" name="Content Placeholder 2">
-            <a:extLst>
-              <a:ext uri="{FF2B5EF4-FFF2-40B4-BE49-F238E27FC236}">
-                <a16:creationId xmlns:a16="http://schemas.microsoft.com/office/drawing/2014/main" id="{7F03B040-BAA0-8E13-7562-F9C61BC63DC6}"/>
-              </a:ext>
-            </a:extLst>
-          </p:cNvPr>
-          <p:cNvSpPr>
-            <a:spLocks noGrp="1"/>
-          </p:cNvSpPr>
-          <p:nvPr>
-            <p:ph idx="1"/>
-          </p:nvPr>
-        </p:nvSpPr>
-        <p:spPr/>
-        <p:txBody>
-          <a:bodyPr/>
-          <a:lstStyle/>
-          <a:p>
-            <a:endParaRPr lang="en-US"/>
-          </a:p>
-        </p:txBody>
-      </p:sp>
-      <p:sp>
-        <p:nvSpPr>
           <p:cNvPr id="4" name="Slide Number Placeholder 3">
             <a:extLst>
               <a:ext uri="{FF2B5EF4-FFF2-40B4-BE49-F238E27FC236}">
@@ -10430,36 +11740,6 @@
             <a:extLst>
               <a:ext uri="{FF2B5EF4-FFF2-40B4-BE49-F238E27FC236}">
                 <a16:creationId xmlns:a16="http://schemas.microsoft.com/office/drawing/2014/main" id="{96AC740D-E309-A367-9292-00ECE253DFA6}"/>
-              </a:ext>
-            </a:extLst>
-          </p:cNvPr>
-          <p:cNvPicPr>
-            <a:picLocks noChangeAspect="1"/>
-          </p:cNvPicPr>
-          <p:nvPr/>
-        </p:nvPicPr>
-        <p:blipFill>
-          <a:blip r:embed="rId2"/>
-          <a:stretch>
-            <a:fillRect/>
-          </a:stretch>
-        </p:blipFill>
-        <p:spPr>
-          <a:xfrm>
-            <a:off x="5403914" y="898115"/>
-            <a:ext cx="6656895" cy="2853916"/>
-          </a:xfrm>
-          <a:prstGeom prst="rect">
-            <a:avLst/>
-          </a:prstGeom>
-        </p:spPr>
-      </p:pic>
-      <p:pic>
-        <p:nvPicPr>
-          <p:cNvPr id="7" name="Picture 6">
-            <a:extLst>
-              <a:ext uri="{FF2B5EF4-FFF2-40B4-BE49-F238E27FC236}">
-                <a16:creationId xmlns:a16="http://schemas.microsoft.com/office/drawing/2014/main" id="{7A0047EA-A7B1-71F0-9F6A-B39602339F44}"/>
               </a:ext>
             </a:extLst>
           </p:cNvPr>
@@ -10476,8 +11756,8 @@
         </p:blipFill>
         <p:spPr>
           <a:xfrm>
-            <a:off x="7150100" y="1116537"/>
-            <a:ext cx="1202048" cy="463084"/>
+            <a:off x="5403914" y="898115"/>
+            <a:ext cx="6656895" cy="2853916"/>
           </a:xfrm>
           <a:prstGeom prst="rect">
             <a:avLst/>
@@ -10486,10 +11766,10 @@
       </p:pic>
       <p:pic>
         <p:nvPicPr>
-          <p:cNvPr id="8" name="Picture 7">
-            <a:extLst>
-              <a:ext uri="{FF2B5EF4-FFF2-40B4-BE49-F238E27FC236}">
-                <a16:creationId xmlns:a16="http://schemas.microsoft.com/office/drawing/2014/main" id="{FC50CD84-6ACA-021E-20A9-69F6271DCC54}"/>
+          <p:cNvPr id="7" name="Picture 6">
+            <a:extLst>
+              <a:ext uri="{FF2B5EF4-FFF2-40B4-BE49-F238E27FC236}">
+                <a16:creationId xmlns:a16="http://schemas.microsoft.com/office/drawing/2014/main" id="{7A0047EA-A7B1-71F0-9F6A-B39602339F44}"/>
               </a:ext>
             </a:extLst>
           </p:cNvPr>
@@ -10506,8 +11786,8 @@
         </p:blipFill>
         <p:spPr>
           <a:xfrm>
-            <a:off x="9190348" y="1155189"/>
-            <a:ext cx="1066015" cy="424432"/>
+            <a:off x="7150100" y="1116537"/>
+            <a:ext cx="1202048" cy="463084"/>
           </a:xfrm>
           <a:prstGeom prst="rect">
             <a:avLst/>
@@ -10516,10 +11796,10 @@
       </p:pic>
       <p:pic>
         <p:nvPicPr>
-          <p:cNvPr id="9" name="Picture 8">
-            <a:extLst>
-              <a:ext uri="{FF2B5EF4-FFF2-40B4-BE49-F238E27FC236}">
-                <a16:creationId xmlns:a16="http://schemas.microsoft.com/office/drawing/2014/main" id="{FF4A28B6-0522-43A2-8946-087750E59779}"/>
+          <p:cNvPr id="8" name="Picture 7">
+            <a:extLst>
+              <a:ext uri="{FF2B5EF4-FFF2-40B4-BE49-F238E27FC236}">
+                <a16:creationId xmlns:a16="http://schemas.microsoft.com/office/drawing/2014/main" id="{FC50CD84-6ACA-021E-20A9-69F6271DCC54}"/>
               </a:ext>
             </a:extLst>
           </p:cNvPr>
@@ -10536,8 +11816,8 @@
         </p:blipFill>
         <p:spPr>
           <a:xfrm>
-            <a:off x="220235" y="761590"/>
-            <a:ext cx="5461040" cy="5959885"/>
+            <a:off x="9190348" y="1155189"/>
+            <a:ext cx="1066015" cy="424432"/>
           </a:xfrm>
           <a:prstGeom prst="rect">
             <a:avLst/>
@@ -10574,6 +11854,144 @@
           </a:prstGeom>
         </p:spPr>
       </p:pic>
+      <p:pic>
+        <p:nvPicPr>
+          <p:cNvPr id="12" name="Picture 11">
+            <a:extLst>
+              <a:ext uri="{FF2B5EF4-FFF2-40B4-BE49-F238E27FC236}">
+                <a16:creationId xmlns:a16="http://schemas.microsoft.com/office/drawing/2014/main" id="{656C7F7E-5FBF-534E-735A-0D2E658DA193}"/>
+              </a:ext>
+            </a:extLst>
+          </p:cNvPr>
+          <p:cNvPicPr>
+            <a:picLocks noChangeAspect="1"/>
+          </p:cNvPicPr>
+          <p:nvPr/>
+        </p:nvPicPr>
+        <p:blipFill>
+          <a:blip r:embed="rId7"/>
+          <a:stretch>
+            <a:fillRect/>
+          </a:stretch>
+        </p:blipFill>
+        <p:spPr>
+          <a:xfrm>
+            <a:off x="49465" y="626395"/>
+            <a:ext cx="5814522" cy="5959885"/>
+          </a:xfrm>
+          <a:prstGeom prst="rect">
+            <a:avLst/>
+          </a:prstGeom>
+        </p:spPr>
+      </p:pic>
+      <p:sp>
+        <p:nvSpPr>
+          <p:cNvPr id="13" name="Rounded Rectangle 12">
+            <a:extLst>
+              <a:ext uri="{FF2B5EF4-FFF2-40B4-BE49-F238E27FC236}">
+                <a16:creationId xmlns:a16="http://schemas.microsoft.com/office/drawing/2014/main" id="{C61CBD26-2788-C07B-E1F3-B3C88F1B7384}"/>
+              </a:ext>
+            </a:extLst>
+          </p:cNvPr>
+          <p:cNvSpPr/>
+          <p:nvPr/>
+        </p:nvSpPr>
+        <p:spPr>
+          <a:xfrm>
+            <a:off x="537843" y="3674750"/>
+            <a:ext cx="5326144" cy="886119"/>
+          </a:xfrm>
+          <a:prstGeom prst="roundRect">
+            <a:avLst/>
+          </a:prstGeom>
+          <a:solidFill>
+            <a:schemeClr val="accent1">
+              <a:alpha val="35981"/>
+            </a:schemeClr>
+          </a:solidFill>
+          <a:ln>
+            <a:noFill/>
+          </a:ln>
+        </p:spPr>
+        <p:style>
+          <a:lnRef idx="2">
+            <a:schemeClr val="accent1">
+              <a:shade val="15000"/>
+            </a:schemeClr>
+          </a:lnRef>
+          <a:fillRef idx="1">
+            <a:schemeClr val="accent1"/>
+          </a:fillRef>
+          <a:effectRef idx="0">
+            <a:schemeClr val="accent1"/>
+          </a:effectRef>
+          <a:fontRef idx="minor">
+            <a:schemeClr val="lt1"/>
+          </a:fontRef>
+        </p:style>
+        <p:txBody>
+          <a:bodyPr rtlCol="0" anchor="ctr"/>
+          <a:lstStyle/>
+          <a:p>
+            <a:pPr algn="ctr"/>
+            <a:endParaRPr lang="en-US"/>
+          </a:p>
+        </p:txBody>
+      </p:sp>
+      <p:sp>
+        <p:nvSpPr>
+          <p:cNvPr id="14" name="Rounded Rectangle 13">
+            <a:extLst>
+              <a:ext uri="{FF2B5EF4-FFF2-40B4-BE49-F238E27FC236}">
+                <a16:creationId xmlns:a16="http://schemas.microsoft.com/office/drawing/2014/main" id="{4CBDF35B-1456-D63B-2C79-7D78D9F16FCE}"/>
+              </a:ext>
+            </a:extLst>
+          </p:cNvPr>
+          <p:cNvSpPr/>
+          <p:nvPr/>
+        </p:nvSpPr>
+        <p:spPr>
+          <a:xfrm>
+            <a:off x="661847" y="5160138"/>
+            <a:ext cx="4955021" cy="693907"/>
+          </a:xfrm>
+          <a:prstGeom prst="roundRect">
+            <a:avLst/>
+          </a:prstGeom>
+          <a:solidFill>
+            <a:schemeClr val="accent1">
+              <a:alpha val="35981"/>
+            </a:schemeClr>
+          </a:solidFill>
+          <a:ln>
+            <a:noFill/>
+          </a:ln>
+        </p:spPr>
+        <p:style>
+          <a:lnRef idx="2">
+            <a:schemeClr val="accent1">
+              <a:shade val="15000"/>
+            </a:schemeClr>
+          </a:lnRef>
+          <a:fillRef idx="1">
+            <a:schemeClr val="accent1"/>
+          </a:fillRef>
+          <a:effectRef idx="0">
+            <a:schemeClr val="accent1"/>
+          </a:effectRef>
+          <a:fontRef idx="minor">
+            <a:schemeClr val="lt1"/>
+          </a:fontRef>
+        </p:style>
+        <p:txBody>
+          <a:bodyPr rtlCol="0" anchor="ctr"/>
+          <a:lstStyle/>
+          <a:p>
+            <a:pPr algn="ctr"/>
+            <a:endParaRPr lang="en-US"/>
+          </a:p>
+        </p:txBody>
+      </p:sp>
     </p:spTree>
     <p:extLst>
       <p:ext uri="{BB962C8B-B14F-4D97-AF65-F5344CB8AC3E}">
@@ -11454,9 +12872,16 @@
             <p:ph type="title"/>
           </p:nvPr>
         </p:nvSpPr>
-        <p:spPr/>
-        <p:txBody>
-          <a:bodyPr/>
+        <p:spPr>
+          <a:xfrm>
+            <a:off x="0" y="0"/>
+            <a:ext cx="10515600" cy="634116"/>
+          </a:xfrm>
+        </p:spPr>
+        <p:txBody>
+          <a:bodyPr>
+            <a:normAutofit fontScale="90000"/>
+          </a:bodyPr>
           <a:lstStyle/>
           <a:p>
             <a:r>
@@ -11482,9 +12907,16 @@
             <p:ph idx="1"/>
           </p:nvPr>
         </p:nvSpPr>
-        <p:spPr/>
-        <p:txBody>
-          <a:bodyPr/>
+        <p:spPr>
+          <a:xfrm>
+            <a:off x="838200" y="810705"/>
+            <a:ext cx="10515600" cy="5366258"/>
+          </a:xfrm>
+        </p:spPr>
+        <p:txBody>
+          <a:bodyPr>
+            <a:normAutofit lnSpcReduction="10000"/>
+          </a:bodyPr>
           <a:lstStyle/>
           <a:p>
             <a:pPr marL="514350" indent="-514350">
@@ -11513,7 +12945,7 @@
             </a:pPr>
             <a:r>
               <a:rPr lang="en-US" dirty="0"/>
-              <a:t>The probability evaluated by a p-value might not be relevant </a:t>
+              <a:t>The probability evaluated by a p-value might not be relevant</a:t>
             </a:r>
           </a:p>
           <a:p>
@@ -11521,9 +12953,46 @@
               <a:buFont typeface="+mj-lt"/>
               <a:buAutoNum type="arabicPeriod"/>
             </a:pPr>
+            <a:endParaRPr lang="en-US" dirty="0"/>
+          </a:p>
+          <a:p>
+            <a:pPr marL="0" indent="0">
+              <a:buNone/>
+            </a:pPr>
             <a:r>
               <a:rPr lang="en-US" dirty="0"/>
-              <a:t>It asses significance in-sample </a:t>
+              <a:t> </a:t>
+            </a:r>
+          </a:p>
+          <a:p>
+            <a:pPr marL="0" indent="0">
+              <a:buNone/>
+            </a:pPr>
+            <a:endParaRPr lang="en-US" dirty="0"/>
+          </a:p>
+          <a:p>
+            <a:pPr marL="0" indent="0">
+              <a:buNone/>
+            </a:pPr>
+            <a:endParaRPr lang="en-US" dirty="0"/>
+          </a:p>
+          <a:p>
+            <a:pPr marL="0" indent="0">
+              <a:buNone/>
+            </a:pPr>
+            <a:r>
+              <a:rPr lang="en-US" dirty="0"/>
+              <a:t>4. It asses significance in-sample </a:t>
+            </a:r>
+          </a:p>
+          <a:p>
+            <a:pPr marL="971550" lvl="1" indent="-514350">
+              <a:buFont typeface="+mj-lt"/>
+              <a:buAutoNum type="arabicPeriod"/>
+            </a:pPr>
+            <a:r>
+              <a:rPr lang="en-US" dirty="0"/>
+              <a:t>Prone to overfitting and it is desirable to have an out-of-sample assessment </a:t>
             </a:r>
           </a:p>
         </p:txBody>
@@ -11557,6 +13026,112 @@
           </a:p>
         </p:txBody>
       </p:sp>
+      <p:pic>
+        <p:nvPicPr>
+          <p:cNvPr id="6" name="Picture 5">
+            <a:extLst>
+              <a:ext uri="{FF2B5EF4-FFF2-40B4-BE49-F238E27FC236}">
+                <a16:creationId xmlns:a16="http://schemas.microsoft.com/office/drawing/2014/main" id="{FBEB0EF2-DC91-E177-A52F-01C7829863F5}"/>
+              </a:ext>
+            </a:extLst>
+          </p:cNvPr>
+          <p:cNvPicPr>
+            <a:picLocks noChangeAspect="1"/>
+          </p:cNvPicPr>
+          <p:nvPr/>
+        </p:nvPicPr>
+        <p:blipFill>
+          <a:blip r:embed="rId2"/>
+          <a:stretch>
+            <a:fillRect/>
+          </a:stretch>
+        </p:blipFill>
+        <p:spPr>
+          <a:xfrm>
+            <a:off x="1968173" y="3493834"/>
+            <a:ext cx="2222500" cy="533400"/>
+          </a:xfrm>
+          <a:prstGeom prst="rect">
+            <a:avLst/>
+          </a:prstGeom>
+        </p:spPr>
+      </p:pic>
+      <p:sp>
+        <p:nvSpPr>
+          <p:cNvPr id="7" name="Right Arrow 6">
+            <a:extLst>
+              <a:ext uri="{FF2B5EF4-FFF2-40B4-BE49-F238E27FC236}">
+                <a16:creationId xmlns:a16="http://schemas.microsoft.com/office/drawing/2014/main" id="{C36B08BB-B33F-A341-F030-BF8088B526F6}"/>
+              </a:ext>
+            </a:extLst>
+          </p:cNvPr>
+          <p:cNvSpPr/>
+          <p:nvPr/>
+        </p:nvSpPr>
+        <p:spPr>
+          <a:xfrm>
+            <a:off x="4667054" y="3656839"/>
+            <a:ext cx="590746" cy="207390"/>
+          </a:xfrm>
+          <a:prstGeom prst="rightArrow">
+            <a:avLst/>
+          </a:prstGeom>
+        </p:spPr>
+        <p:style>
+          <a:lnRef idx="2">
+            <a:schemeClr val="accent1">
+              <a:shade val="15000"/>
+            </a:schemeClr>
+          </a:lnRef>
+          <a:fillRef idx="1">
+            <a:schemeClr val="accent1"/>
+          </a:fillRef>
+          <a:effectRef idx="0">
+            <a:schemeClr val="accent1"/>
+          </a:effectRef>
+          <a:fontRef idx="minor">
+            <a:schemeClr val="lt1"/>
+          </a:fontRef>
+        </p:style>
+        <p:txBody>
+          <a:bodyPr rtlCol="0" anchor="ctr"/>
+          <a:lstStyle/>
+          <a:p>
+            <a:pPr algn="ctr"/>
+            <a:endParaRPr lang="en-US"/>
+          </a:p>
+        </p:txBody>
+      </p:sp>
+      <p:pic>
+        <p:nvPicPr>
+          <p:cNvPr id="8" name="Picture 7">
+            <a:extLst>
+              <a:ext uri="{FF2B5EF4-FFF2-40B4-BE49-F238E27FC236}">
+                <a16:creationId xmlns:a16="http://schemas.microsoft.com/office/drawing/2014/main" id="{9F8B95AF-2274-F275-BB32-10FB34167BFA}"/>
+              </a:ext>
+            </a:extLst>
+          </p:cNvPr>
+          <p:cNvPicPr>
+            <a:picLocks noChangeAspect="1"/>
+          </p:cNvPicPr>
+          <p:nvPr/>
+        </p:nvPicPr>
+        <p:blipFill>
+          <a:blip r:embed="rId3"/>
+          <a:stretch>
+            <a:fillRect/>
+          </a:stretch>
+        </p:blipFill>
+        <p:spPr>
+          <a:xfrm>
+            <a:off x="6096000" y="3491477"/>
+            <a:ext cx="3568700" cy="609600"/>
+          </a:xfrm>
+          <a:prstGeom prst="rect">
+            <a:avLst/>
+          </a:prstGeom>
+        </p:spPr>
+      </p:pic>
     </p:spTree>
     <p:extLst>
       <p:ext uri="{BB962C8B-B14F-4D97-AF65-F5344CB8AC3E}">
@@ -11662,15 +13237,15 @@
           <p:nvPr/>
         </p:nvPicPr>
         <p:blipFill>
-          <a:blip r:embed="rId2"/>
+          <a:blip r:embed="rId3"/>
           <a:stretch>
             <a:fillRect/>
           </a:stretch>
         </p:blipFill>
         <p:spPr>
           <a:xfrm>
-            <a:off x="3954937" y="4073701"/>
-            <a:ext cx="7772400" cy="2103262"/>
+            <a:off x="976067" y="3705998"/>
+            <a:ext cx="10054810" cy="2720897"/>
           </a:xfrm>
           <a:prstGeom prst="rect">
             <a:avLst/>
@@ -11721,7 +13296,7 @@
           <p:nvPr/>
         </p:nvPicPr>
         <p:blipFill>
-          <a:blip r:embed="rId3"/>
+          <a:blip r:embed="rId4"/>
           <a:stretch>
             <a:fillRect/>
           </a:stretch>
